--- a/Week7-Model-Basics-Building/Week 7-Model Basics and Building.pptx
+++ b/Week7-Model-Basics-Building/Week 7-Model Basics and Building.pptx
@@ -16,8 +16,8 @@
     <p:sldId id="259" r:id="rId7"/>
     <p:sldId id="267" r:id="rId8"/>
     <p:sldId id="270" r:id="rId9"/>
-    <p:sldId id="286" r:id="rId10"/>
-    <p:sldId id="271" r:id="rId11"/>
+    <p:sldId id="271" r:id="rId10"/>
+    <p:sldId id="286" r:id="rId11"/>
     <p:sldId id="272" r:id="rId12"/>
     <p:sldId id="273" r:id="rId13"/>
     <p:sldId id="274" r:id="rId14"/>
@@ -40,16 +40,16 @@
   <p:notesSz cx="6858000" cy="9144000"/>
   <p:embeddedFontLst>
     <p:embeddedFont>
-      <p:font typeface="Roboto Slab" panose="020B0604020202020204" charset="0"/>
+      <p:font typeface="Roboto" panose="02000000000000000000" pitchFamily="2" charset="0"/>
       <p:regular r:id="rId30"/>
       <p:bold r:id="rId31"/>
+      <p:italic r:id="rId32"/>
+      <p:boldItalic r:id="rId33"/>
     </p:embeddedFont>
     <p:embeddedFont>
-      <p:font typeface="Roboto" panose="020B0604020202020204" charset="0"/>
-      <p:regular r:id="rId32"/>
-      <p:bold r:id="rId33"/>
-      <p:italic r:id="rId34"/>
-      <p:boldItalic r:id="rId35"/>
+      <p:font typeface="Roboto Slab" panose="020B0604020202020204" charset="0"/>
+      <p:regular r:id="rId34"/>
+      <p:bold r:id="rId35"/>
     </p:embeddedFont>
   </p:embeddedFontLst>
   <p:defaultTextStyle>
@@ -770,8 +770,8 @@
         </p:nvSpPr>
         <p:spPr>
           <a:xfrm>
-            <a:off x="381300" y="685800"/>
-            <a:ext cx="6096075" cy="3429000"/>
+            <a:off x="381000" y="685800"/>
+            <a:ext cx="6096000" cy="3429000"/>
           </a:xfrm>
           <a:custGeom>
             <a:avLst/>
@@ -912,6 +912,227 @@
 </file>
 
 <file path=ppt/notesSlides/notesSlide10.xml><?xml version="1.0" encoding="utf-8"?>
+<p:notes xmlns:a="http://schemas.openxmlformats.org/drawingml/2006/main" xmlns:r="http://schemas.openxmlformats.org/officeDocument/2006/relationships" xmlns:p="http://schemas.openxmlformats.org/presentationml/2006/main" showMasterSp="0" showMasterPhAnim="0">
+  <p:cSld>
+    <p:spTree>
+      <p:nvGrpSpPr>
+        <p:cNvPr id="1" name="Shape 77"/>
+        <p:cNvGrpSpPr/>
+        <p:nvPr/>
+      </p:nvGrpSpPr>
+      <p:grpSpPr>
+        <a:xfrm>
+          <a:off x="0" y="0"/>
+          <a:ext cx="0" cy="0"/>
+          <a:chOff x="0" y="0"/>
+          <a:chExt cx="0" cy="0"/>
+        </a:xfrm>
+      </p:grpSpPr>
+      <p:sp>
+        <p:nvSpPr>
+          <p:cNvPr id="78" name="Google Shape;78;g7b244c7288_0_83:notes"/>
+          <p:cNvSpPr>
+            <a:spLocks noGrp="1" noRot="1" noChangeAspect="1"/>
+          </p:cNvSpPr>
+          <p:nvPr>
+            <p:ph type="sldImg" idx="2"/>
+          </p:nvPr>
+        </p:nvSpPr>
+        <p:spPr>
+          <a:xfrm>
+            <a:off x="381000" y="685800"/>
+            <a:ext cx="6096000" cy="3429000"/>
+          </a:xfrm>
+          <a:custGeom>
+            <a:avLst/>
+            <a:gdLst/>
+            <a:ahLst/>
+            <a:cxnLst/>
+            <a:rect l="l" t="t" r="r" b="b"/>
+            <a:pathLst>
+              <a:path w="120000" h="120000" extrusionOk="0">
+                <a:moveTo>
+                  <a:pt x="0" y="0"/>
+                </a:moveTo>
+                <a:lnTo>
+                  <a:pt x="120000" y="0"/>
+                </a:lnTo>
+                <a:lnTo>
+                  <a:pt x="120000" y="120000"/>
+                </a:lnTo>
+                <a:lnTo>
+                  <a:pt x="0" y="120000"/>
+                </a:lnTo>
+                <a:close/>
+              </a:path>
+            </a:pathLst>
+          </a:custGeom>
+        </p:spPr>
+      </p:sp>
+      <p:sp>
+        <p:nvSpPr>
+          <p:cNvPr id="79" name="Google Shape;79;g7b244c7288_0_83:notes"/>
+          <p:cNvSpPr txBox="1">
+            <a:spLocks noGrp="1"/>
+          </p:cNvSpPr>
+          <p:nvPr>
+            <p:ph type="body" idx="1"/>
+          </p:nvPr>
+        </p:nvSpPr>
+        <p:spPr>
+          <a:xfrm>
+            <a:off x="685800" y="4343400"/>
+            <a:ext cx="5486400" cy="4114800"/>
+          </a:xfrm>
+          <a:prstGeom prst="rect">
+            <a:avLst/>
+          </a:prstGeom>
+        </p:spPr>
+        <p:txBody>
+          <a:bodyPr spcFirstLastPara="1" wrap="square" lIns="91425" tIns="91425" rIns="91425" bIns="91425" anchor="t" anchorCtr="0">
+            <a:noAutofit/>
+          </a:bodyPr>
+          <a:lstStyle/>
+          <a:p>
+            <a:pPr marL="0" lvl="0" indent="0" algn="l" rtl="0">
+              <a:spcBef>
+                <a:spcPts val="0"/>
+              </a:spcBef>
+              <a:spcAft>
+                <a:spcPts val="0"/>
+              </a:spcAft>
+              <a:buNone/>
+            </a:pPr>
+            <a:r>
+              <a:rPr lang="en-GB" dirty="0"/>
+              <a:t>https://www.datasciencecentral.com/profiles/blogs/top-20-uses-of-statistical-modeling</a:t>
+            </a:r>
+            <a:endParaRPr dirty="0"/>
+          </a:p>
+        </p:txBody>
+      </p:sp>
+    </p:spTree>
+    <p:extLst>
+      <p:ext uri="{BB962C8B-B14F-4D97-AF65-F5344CB8AC3E}">
+        <p14:creationId xmlns:p14="http://schemas.microsoft.com/office/powerpoint/2010/main" val="401632056"/>
+      </p:ext>
+    </p:extLst>
+  </p:cSld>
+  <p:clrMapOvr>
+    <a:masterClrMapping/>
+  </p:clrMapOvr>
+</p:notes>
+</file>
+
+<file path=ppt/notesSlides/notesSlide11.xml><?xml version="1.0" encoding="utf-8"?>
+<p:notes xmlns:a="http://schemas.openxmlformats.org/drawingml/2006/main" xmlns:r="http://schemas.openxmlformats.org/officeDocument/2006/relationships" xmlns:p="http://schemas.openxmlformats.org/presentationml/2006/main" showMasterSp="0" showMasterPhAnim="0">
+  <p:cSld>
+    <p:spTree>
+      <p:nvGrpSpPr>
+        <p:cNvPr id="1" name="Shape 83"/>
+        <p:cNvGrpSpPr/>
+        <p:nvPr/>
+      </p:nvGrpSpPr>
+      <p:grpSpPr>
+        <a:xfrm>
+          <a:off x="0" y="0"/>
+          <a:ext cx="0" cy="0"/>
+          <a:chOff x="0" y="0"/>
+          <a:chExt cx="0" cy="0"/>
+        </a:xfrm>
+      </p:grpSpPr>
+      <p:sp>
+        <p:nvSpPr>
+          <p:cNvPr id="84" name="Google Shape;84;gd679ff7f26_0_0:notes"/>
+          <p:cNvSpPr>
+            <a:spLocks noGrp="1" noRot="1" noChangeAspect="1"/>
+          </p:cNvSpPr>
+          <p:nvPr>
+            <p:ph type="sldImg" idx="2"/>
+          </p:nvPr>
+        </p:nvSpPr>
+        <p:spPr>
+          <a:xfrm>
+            <a:off x="381000" y="685800"/>
+            <a:ext cx="6096000" cy="3429000"/>
+          </a:xfrm>
+          <a:custGeom>
+            <a:avLst/>
+            <a:gdLst/>
+            <a:ahLst/>
+            <a:cxnLst/>
+            <a:rect l="l" t="t" r="r" b="b"/>
+            <a:pathLst>
+              <a:path w="120000" h="120000" extrusionOk="0">
+                <a:moveTo>
+                  <a:pt x="0" y="0"/>
+                </a:moveTo>
+                <a:lnTo>
+                  <a:pt x="120000" y="0"/>
+                </a:lnTo>
+                <a:lnTo>
+                  <a:pt x="120000" y="120000"/>
+                </a:lnTo>
+                <a:lnTo>
+                  <a:pt x="0" y="120000"/>
+                </a:lnTo>
+                <a:close/>
+              </a:path>
+            </a:pathLst>
+          </a:custGeom>
+        </p:spPr>
+      </p:sp>
+      <p:sp>
+        <p:nvSpPr>
+          <p:cNvPr id="85" name="Google Shape;85;gd679ff7f26_0_0:notes"/>
+          <p:cNvSpPr txBox="1">
+            <a:spLocks noGrp="1"/>
+          </p:cNvSpPr>
+          <p:nvPr>
+            <p:ph type="body" idx="1"/>
+          </p:nvPr>
+        </p:nvSpPr>
+        <p:spPr>
+          <a:xfrm>
+            <a:off x="685800" y="4343400"/>
+            <a:ext cx="5486400" cy="4114800"/>
+          </a:xfrm>
+          <a:prstGeom prst="rect">
+            <a:avLst/>
+          </a:prstGeom>
+        </p:spPr>
+        <p:txBody>
+          <a:bodyPr spcFirstLastPara="1" wrap="square" lIns="91425" tIns="91425" rIns="91425" bIns="91425" anchor="t" anchorCtr="0">
+            <a:noAutofit/>
+          </a:bodyPr>
+          <a:lstStyle/>
+          <a:p>
+            <a:pPr marL="0" lvl="0" indent="0" algn="l" rtl="0">
+              <a:spcBef>
+                <a:spcPts val="1200"/>
+              </a:spcBef>
+              <a:spcAft>
+                <a:spcPts val="0"/>
+              </a:spcAft>
+              <a:buNone/>
+            </a:pPr>
+            <a:r>
+              <a:rPr lang="en-MY" dirty="0"/>
+              <a:t>https://towardsdatascience.com/types-of-neural-network-and-what-each-one-does-explained-d9b4c0ed63a1</a:t>
+            </a:r>
+            <a:endParaRPr dirty="0"/>
+          </a:p>
+        </p:txBody>
+      </p:sp>
+    </p:spTree>
+  </p:cSld>
+  <p:clrMapOvr>
+    <a:masterClrMapping/>
+  </p:clrMapOvr>
+</p:notes>
+</file>
+
+<file path=ppt/notesSlides/notesSlide12.xml><?xml version="1.0" encoding="utf-8"?>
 <p:notes xmlns:a="http://schemas.openxmlformats.org/drawingml/2006/main" xmlns:r="http://schemas.openxmlformats.org/officeDocument/2006/relationships" xmlns:p="http://schemas.openxmlformats.org/presentationml/2006/main">
   <p:cSld>
     <p:spTree>
@@ -977,7 +1198,7 @@
 </p:notes>
 </file>
 
-<file path=ppt/notesSlides/notesSlide11.xml><?xml version="1.0" encoding="utf-8"?>
+<file path=ppt/notesSlides/notesSlide13.xml><?xml version="1.0" encoding="utf-8"?>
 <p:notes xmlns:a="http://schemas.openxmlformats.org/drawingml/2006/main" xmlns:r="http://schemas.openxmlformats.org/officeDocument/2006/relationships" xmlns:p="http://schemas.openxmlformats.org/presentationml/2006/main">
   <p:cSld>
     <p:spTree>
@@ -1043,7 +1264,7 @@
 </p:notes>
 </file>
 
-<file path=ppt/notesSlides/notesSlide12.xml><?xml version="1.0" encoding="utf-8"?>
+<file path=ppt/notesSlides/notesSlide14.xml><?xml version="1.0" encoding="utf-8"?>
 <p:notes xmlns:a="http://schemas.openxmlformats.org/drawingml/2006/main" xmlns:r="http://schemas.openxmlformats.org/officeDocument/2006/relationships" xmlns:p="http://schemas.openxmlformats.org/presentationml/2006/main">
   <p:cSld>
     <p:spTree>
@@ -1088,10 +1309,9 @@
           <a:lstStyle/>
           <a:p>
             <a:r>
-              <a:rPr lang="en-MY" dirty="0" smtClean="0"/>
+              <a:rPr lang="en-MY" dirty="0"/>
               <a:t>https://github.com/lucidrains/alphafold2</a:t>
             </a:r>
-            <a:endParaRPr lang="en-MY" dirty="0"/>
           </a:p>
         </p:txBody>
       </p:sp>
@@ -1137,7 +1357,7 @@
         </p:nvSpPr>
         <p:spPr>
           <a:xfrm>
-            <a:off x="381300" y="685800"/>
+            <a:off x="381000" y="685800"/>
             <a:ext cx="6096000" cy="3429000"/>
           </a:xfrm>
           <a:custGeom>
@@ -1527,11 +1747,7 @@
             </a:pPr>
             <a:r>
               <a:rPr lang="en-GB" dirty="0"/>
-              <a:t>https://</a:t>
-            </a:r>
-            <a:r>
-              <a:rPr lang="en-GB" dirty="0" smtClean="0"/>
-              <a:t>www.guru99.com/data-modelling-conceptual-logical.html</a:t>
+              <a:t>https://www.guru99.com/data-modelling-conceptual-logical.html</a:t>
             </a:r>
           </a:p>
           <a:p>
@@ -1544,7 +1760,7 @@
               </a:spcAft>
               <a:buNone/>
             </a:pPr>
-            <a:endParaRPr lang="en-GB" dirty="0" smtClean="0"/>
+            <a:endParaRPr lang="en-GB" dirty="0"/>
           </a:p>
           <a:p>
             <a:pPr marL="0" lvl="0" indent="0" algn="l" rtl="0">
@@ -1557,7 +1773,7 @@
               <a:buNone/>
             </a:pPr>
             <a:r>
-              <a:rPr lang="en-MY" dirty="0" smtClean="0"/>
+              <a:rPr lang="en-MY" dirty="0"/>
               <a:t>https://serc.carleton.edu/introgeo/mathstatmodels/why.html</a:t>
             </a:r>
             <a:endParaRPr dirty="0"/>
@@ -1774,11 +1990,7 @@
             </a:pPr>
             <a:r>
               <a:rPr lang="en-GB" dirty="0"/>
-              <a:t>https://</a:t>
-            </a:r>
-            <a:r>
-              <a:rPr lang="en-GB" dirty="0" smtClean="0"/>
-              <a:t>www.datasciencecentral.com/profiles/blogs/top-20-uses-of-statistical-modelling</a:t>
+              <a:t>https://www.datasciencecentral.com/profiles/blogs/top-20-uses-of-statistical-modelling</a:t>
             </a:r>
           </a:p>
           <a:p>
@@ -1791,7 +2003,7 @@
               </a:spcAft>
               <a:buNone/>
             </a:pPr>
-            <a:endParaRPr lang="en-GB" dirty="0" smtClean="0"/>
+            <a:endParaRPr lang="en-GB" dirty="0"/>
           </a:p>
           <a:p>
             <a:pPr marL="0" lvl="0" indent="0" algn="l" rtl="0">
@@ -1804,7 +2016,7 @@
               <a:buNone/>
             </a:pPr>
             <a:r>
-              <a:rPr lang="en-MY" dirty="0" smtClean="0"/>
+              <a:rPr lang="en-MY" dirty="0"/>
               <a:t>https://analyticsindiamag.com/7-types-classification-algorithms/</a:t>
             </a:r>
             <a:endParaRPr dirty="0"/>
@@ -1825,11 +2037,11 @@
 </file>
 
 <file path=ppt/notesSlides/notesSlide8.xml><?xml version="1.0" encoding="utf-8"?>
-<p:notes xmlns:a="http://schemas.openxmlformats.org/drawingml/2006/main" xmlns:r="http://schemas.openxmlformats.org/officeDocument/2006/relationships" xmlns:p="http://schemas.openxmlformats.org/presentationml/2006/main" showMasterSp="0" showMasterPhAnim="0">
+<p:notes xmlns:a="http://schemas.openxmlformats.org/drawingml/2006/main" xmlns:r="http://schemas.openxmlformats.org/officeDocument/2006/relationships" xmlns:p="http://schemas.openxmlformats.org/presentationml/2006/main">
   <p:cSld>
     <p:spTree>
       <p:nvGrpSpPr>
-        <p:cNvPr id="1" name="Shape 77"/>
+        <p:cNvPr id="1" name=""/>
         <p:cNvGrpSpPr/>
         <p:nvPr/>
       </p:nvGrpSpPr>
@@ -1843,12 +2055,12 @@
       </p:grpSpPr>
       <p:sp>
         <p:nvSpPr>
-          <p:cNvPr id="78" name="Google Shape;78;g7b244c7288_0_83:notes"/>
+          <p:cNvPr id="2" name="Slide Image Placeholder 1"/>
           <p:cNvSpPr>
             <a:spLocks noGrp="1" noRot="1" noChangeAspect="1"/>
           </p:cNvSpPr>
           <p:nvPr>
-            <p:ph type="sldImg" idx="2"/>
+            <p:ph type="sldImg"/>
           </p:nvPr>
         </p:nvSpPr>
         <p:spPr>
@@ -1856,78 +2068,59 @@
             <a:off x="381000" y="685800"/>
             <a:ext cx="6096000" cy="3429000"/>
           </a:xfrm>
-          <a:custGeom>
-            <a:avLst/>
-            <a:gdLst/>
-            <a:ahLst/>
-            <a:cxnLst/>
-            <a:rect l="l" t="t" r="r" b="b"/>
-            <a:pathLst>
-              <a:path w="120000" h="120000" extrusionOk="0">
-                <a:moveTo>
-                  <a:pt x="0" y="0"/>
-                </a:moveTo>
-                <a:lnTo>
-                  <a:pt x="120000" y="0"/>
-                </a:lnTo>
-                <a:lnTo>
-                  <a:pt x="120000" y="120000"/>
-                </a:lnTo>
-                <a:lnTo>
-                  <a:pt x="0" y="120000"/>
-                </a:lnTo>
-                <a:close/>
-              </a:path>
-            </a:pathLst>
-          </a:custGeom>
         </p:spPr>
       </p:sp>
       <p:sp>
         <p:nvSpPr>
-          <p:cNvPr id="79" name="Google Shape;79;g7b244c7288_0_83:notes"/>
-          <p:cNvSpPr txBox="1">
+          <p:cNvPr id="3" name="Notes Placeholder 2"/>
+          <p:cNvSpPr>
             <a:spLocks noGrp="1"/>
           </p:cNvSpPr>
           <p:nvPr>
             <p:ph type="body" idx="1"/>
           </p:nvPr>
         </p:nvSpPr>
-        <p:spPr>
-          <a:xfrm>
-            <a:off x="685800" y="4343400"/>
-            <a:ext cx="5486400" cy="4114800"/>
-          </a:xfrm>
-          <a:prstGeom prst="rect">
-            <a:avLst/>
-          </a:prstGeom>
-        </p:spPr>
+        <p:spPr/>
         <p:txBody>
-          <a:bodyPr spcFirstLastPara="1" wrap="square" lIns="91425" tIns="91425" rIns="91425" bIns="91425" anchor="t" anchorCtr="0">
-            <a:noAutofit/>
-          </a:bodyPr>
+          <a:bodyPr/>
           <a:lstStyle/>
           <a:p>
-            <a:pPr marL="0" lvl="0" indent="0" algn="l" rtl="0">
-              <a:spcBef>
-                <a:spcPts val="0"/>
-              </a:spcBef>
-              <a:spcAft>
-                <a:spcPts val="0"/>
-              </a:spcAft>
-              <a:buNone/>
-            </a:pPr>
-            <a:r>
-              <a:rPr lang="en-GB"/>
-              <a:t>https://www.datasciencecentral.com/profiles/blogs/top-20-uses-of-statistical-modeling</a:t>
-            </a:r>
-            <a:endParaRPr/>
+            <a:r>
+              <a:rPr lang="en-US" dirty="0"/>
+              <a:t>Generalized linear modeling is a framework for statistical analysis that includes linear and logistic regression as special cases. Linear regression directly predicts continuous data y from a linear predictor Xβ = β0 + X1β1 + ··· + </a:t>
+            </a:r>
+            <a:r>
+              <a:rPr lang="en-US" dirty="0" err="1"/>
+              <a:t>Xk</a:t>
+            </a:r>
+            <a:r>
+              <a:rPr lang="en-US" dirty="0"/>
+              <a:t>βk. Logistic regression predicts </a:t>
+            </a:r>
+            <a:r>
+              <a:rPr lang="en-US" dirty="0" err="1"/>
+              <a:t>Pr</a:t>
+            </a:r>
+            <a:r>
+              <a:rPr lang="en-US" dirty="0"/>
+              <a:t>(y = 1) for binary data from a linear predictor with an </a:t>
+            </a:r>
+            <a:r>
+              <a:rPr lang="en-US" dirty="0" err="1"/>
+              <a:t>inverselogit</a:t>
+            </a:r>
+            <a:r>
+              <a:rPr lang="en-US" dirty="0"/>
+              <a:t> transformation. </a:t>
+            </a:r>
+            <a:endParaRPr lang="en-MY" dirty="0"/>
           </a:p>
         </p:txBody>
       </p:sp>
     </p:spTree>
     <p:extLst>
       <p:ext uri="{BB962C8B-B14F-4D97-AF65-F5344CB8AC3E}">
-        <p14:creationId xmlns:p14="http://schemas.microsoft.com/office/powerpoint/2010/main" val="401632056"/>
+        <p14:creationId xmlns:p14="http://schemas.microsoft.com/office/powerpoint/2010/main" val="3578401999"/>
       </p:ext>
     </p:extLst>
   </p:cSld>
@@ -1938,11 +2131,11 @@
 </file>
 
 <file path=ppt/notesSlides/notesSlide9.xml><?xml version="1.0" encoding="utf-8"?>
-<p:notes xmlns:a="http://schemas.openxmlformats.org/drawingml/2006/main" xmlns:r="http://schemas.openxmlformats.org/officeDocument/2006/relationships" xmlns:p="http://schemas.openxmlformats.org/presentationml/2006/main" showMasterSp="0" showMasterPhAnim="0">
+<p:notes xmlns:a="http://schemas.openxmlformats.org/drawingml/2006/main" xmlns:r="http://schemas.openxmlformats.org/officeDocument/2006/relationships" xmlns:p="http://schemas.openxmlformats.org/presentationml/2006/main">
   <p:cSld>
     <p:spTree>
       <p:nvGrpSpPr>
-        <p:cNvPr id="1" name="Shape 83"/>
+        <p:cNvPr id="1" name=""/>
         <p:cNvGrpSpPr/>
         <p:nvPr/>
       </p:nvGrpSpPr>
@@ -1956,12 +2149,12 @@
       </p:grpSpPr>
       <p:sp>
         <p:nvSpPr>
-          <p:cNvPr id="84" name="Google Shape;84;gd679ff7f26_0_0:notes"/>
+          <p:cNvPr id="2" name="Slide Image Placeholder 1"/>
           <p:cNvSpPr>
             <a:spLocks noGrp="1" noRot="1" noChangeAspect="1"/>
           </p:cNvSpPr>
           <p:nvPr>
-            <p:ph type="sldImg" idx="2"/>
+            <p:ph type="sldImg"/>
           </p:nvPr>
         </p:nvSpPr>
         <p:spPr>
@@ -1969,75 +2162,45 @@
             <a:off x="381000" y="685800"/>
             <a:ext cx="6096000" cy="3429000"/>
           </a:xfrm>
-          <a:custGeom>
-            <a:avLst/>
-            <a:gdLst/>
-            <a:ahLst/>
-            <a:cxnLst/>
-            <a:rect l="l" t="t" r="r" b="b"/>
-            <a:pathLst>
-              <a:path w="120000" h="120000" extrusionOk="0">
-                <a:moveTo>
-                  <a:pt x="0" y="0"/>
-                </a:moveTo>
-                <a:lnTo>
-                  <a:pt x="120000" y="0"/>
-                </a:lnTo>
-                <a:lnTo>
-                  <a:pt x="120000" y="120000"/>
-                </a:lnTo>
-                <a:lnTo>
-                  <a:pt x="0" y="120000"/>
-                </a:lnTo>
-                <a:close/>
-              </a:path>
-            </a:pathLst>
-          </a:custGeom>
         </p:spPr>
       </p:sp>
       <p:sp>
         <p:nvSpPr>
-          <p:cNvPr id="85" name="Google Shape;85;gd679ff7f26_0_0:notes"/>
-          <p:cNvSpPr txBox="1">
+          <p:cNvPr id="3" name="Notes Placeholder 2"/>
+          <p:cNvSpPr>
             <a:spLocks noGrp="1"/>
           </p:cNvSpPr>
           <p:nvPr>
             <p:ph type="body" idx="1"/>
           </p:nvPr>
         </p:nvSpPr>
-        <p:spPr>
-          <a:xfrm>
-            <a:off x="685800" y="4343400"/>
-            <a:ext cx="5486400" cy="4114800"/>
-          </a:xfrm>
-          <a:prstGeom prst="rect">
-            <a:avLst/>
-          </a:prstGeom>
-        </p:spPr>
+        <p:spPr/>
         <p:txBody>
-          <a:bodyPr spcFirstLastPara="1" wrap="square" lIns="91425" tIns="91425" rIns="91425" bIns="91425" anchor="t" anchorCtr="0">
-            <a:noAutofit/>
-          </a:bodyPr>
+          <a:bodyPr/>
           <a:lstStyle/>
           <a:p>
-            <a:pPr marL="0" lvl="0" indent="0" algn="l" rtl="0">
-              <a:spcBef>
-                <a:spcPts val="1200"/>
-              </a:spcBef>
-              <a:spcAft>
-                <a:spcPts val="0"/>
-              </a:spcAft>
-              <a:buNone/>
-            </a:pPr>
-            <a:r>
-              <a:rPr lang="en-MY" dirty="0" smtClean="0"/>
-              <a:t>https://towardsdatascience.com/types-of-neural-network-and-what-each-one-does-explained-d9b4c0ed63a1</a:t>
-            </a:r>
-            <a:endParaRPr dirty="0"/>
+            <a:r>
+              <a:rPr lang="en-MY" dirty="0"/>
+              <a:t>https://towardsdatascience.com/knn-algorithm-what-when-why-how-41405c16c36f</a:t>
+            </a:r>
+          </a:p>
+          <a:p>
+            <a:r>
+              <a:rPr lang="en-MY" dirty="0"/>
+              <a:t>https://towardsdatascience.com/a-simple-introduction-to-k-nearest-neighbors-algorithm-b3519ed98e</a:t>
+            </a:r>
+          </a:p>
+          <a:p>
+            <a:endParaRPr lang="en-MY" dirty="0"/>
           </a:p>
         </p:txBody>
       </p:sp>
     </p:spTree>
+    <p:extLst>
+      <p:ext uri="{BB962C8B-B14F-4D97-AF65-F5344CB8AC3E}">
+        <p14:creationId xmlns:p14="http://schemas.microsoft.com/office/powerpoint/2010/main" val="3827886029"/>
+      </p:ext>
+    </p:extLst>
   </p:cSld>
   <p:clrMapOvr>
     <a:masterClrMapping/>
@@ -7543,7 +7706,11 @@
               </a:spcAft>
               <a:buNone/>
             </a:pPr>
-            <a:endParaRPr/>
+            <a:r>
+              <a:rPr lang="en-MY" dirty="0"/>
+              <a:t>Victoria’s not so secret Models</a:t>
+            </a:r>
+            <a:endParaRPr dirty="0"/>
           </a:p>
         </p:txBody>
       </p:sp>
@@ -7585,21 +7752,13 @@
         <p:spPr/>
         <p:txBody>
           <a:bodyPr>
-            <a:normAutofit/>
+            <a:normAutofit fontScale="90000"/>
           </a:bodyPr>
           <a:lstStyle/>
           <a:p>
             <a:r>
-              <a:rPr lang="en-MY" dirty="0" smtClean="0"/>
-              <a:t>1.2 </a:t>
-            </a:r>
-            <a:r>
               <a:rPr lang="en-US" sz="2800" dirty="0"/>
-              <a:t>Logistic </a:t>
-            </a:r>
-            <a:r>
-              <a:rPr lang="en-US" sz="2800" dirty="0" smtClean="0"/>
-              <a:t>Regression</a:t>
+              <a:t>1.1.1 Generalized Linear Model (Ridge, Lasso, Elastic net)</a:t>
             </a:r>
             <a:endParaRPr lang="en-MY" dirty="0"/>
           </a:p>
@@ -7615,20 +7774,21 @@
             <p:ph type="body" idx="1"/>
           </p:nvPr>
         </p:nvSpPr>
-        <p:spPr>
-          <a:xfrm>
-            <a:off x="387900" y="1489824"/>
-            <a:ext cx="4269160" cy="3583292"/>
-          </a:xfrm>
-        </p:spPr>
+        <p:spPr/>
         <p:txBody>
           <a:bodyPr/>
           <a:lstStyle/>
           <a:p>
             <a:r>
-              <a:rPr lang="en-MY" dirty="0"/>
-              <a:t>https://www.guru99.com/r-generalized-linear-model.html</a:t>
-            </a:r>
+              <a:rPr lang="en-MY" dirty="0">
+                <a:hlinkClick r:id="rId3"/>
+              </a:rPr>
+              <a:t>http://psych.colorado.edu/~carey/qmin/qminChapters/QMIN09-GLMIntro.pdf</a:t>
+            </a:r>
+            <a:endParaRPr lang="en-MY" dirty="0"/>
+          </a:p>
+          <a:p>
+            <a:endParaRPr lang="en-MY" dirty="0"/>
           </a:p>
         </p:txBody>
       </p:sp>
@@ -7641,15 +7801,15 @@
           <p:nvPr/>
         </p:nvPicPr>
         <p:blipFill>
-          <a:blip r:embed="rId2"/>
+          <a:blip r:embed="rId4"/>
           <a:stretch>
             <a:fillRect/>
           </a:stretch>
         </p:blipFill>
         <p:spPr>
           <a:xfrm>
-            <a:off x="4713767" y="1477315"/>
-            <a:ext cx="4430233" cy="3595801"/>
+            <a:off x="4898066" y="2002758"/>
+            <a:ext cx="4095716" cy="3057366"/>
           </a:xfrm>
           <a:prstGeom prst="rect">
             <a:avLst/>
@@ -7659,7 +7819,7 @@
     </p:spTree>
     <p:extLst>
       <p:ext uri="{BB962C8B-B14F-4D97-AF65-F5344CB8AC3E}">
-        <p14:creationId xmlns:p14="http://schemas.microsoft.com/office/powerpoint/2010/main" val="771621331"/>
+        <p14:creationId xmlns:p14="http://schemas.microsoft.com/office/powerpoint/2010/main" val="2340795980"/>
       </p:ext>
     </p:extLst>
   </p:cSld>
@@ -7704,79 +7864,287 @@
           <a:lstStyle/>
           <a:p>
             <a:r>
-              <a:rPr lang="en-MY" dirty="0" smtClean="0"/>
+              <a:rPr lang="en-MY" dirty="0"/>
               <a:t>1.3 </a:t>
             </a:r>
             <a:r>
               <a:rPr lang="en-US" sz="2800" dirty="0"/>
-              <a:t>K-Nearest Neighbors (KNN</a:t>
-            </a:r>
-            <a:r>
-              <a:rPr lang="en-US" sz="2800" dirty="0" smtClean="0"/>
-              <a:t>)</a:t>
-            </a:r>
-            <a:endParaRPr lang="en-MY" dirty="0"/>
-          </a:p>
-        </p:txBody>
-      </p:sp>
-      <p:sp>
-        <p:nvSpPr>
-          <p:cNvPr id="3" name="Text Placeholder 2"/>
-          <p:cNvSpPr>
-            <a:spLocks noGrp="1"/>
-          </p:cNvSpPr>
-          <p:nvPr>
-            <p:ph type="body" idx="1"/>
-          </p:nvPr>
-        </p:nvSpPr>
-        <p:spPr/>
-        <p:txBody>
-          <a:bodyPr/>
-          <a:lstStyle/>
-          <a:p>
-            <a:r>
-              <a:rPr lang="en-MY" dirty="0">
-                <a:hlinkClick r:id="rId2"/>
-              </a:rPr>
-              <a:t>https://www.unite.ai/what-is-k-nearest-neighbors</a:t>
-            </a:r>
-            <a:r>
-              <a:rPr lang="en-MY" dirty="0" smtClean="0">
-                <a:hlinkClick r:id="rId2"/>
-              </a:rPr>
-              <a:t>/</a:t>
-            </a:r>
-            <a:endParaRPr lang="en-MY" dirty="0" smtClean="0"/>
-          </a:p>
-          <a:p>
+              <a:t>K-Nearest Neighbors (KNN)</a:t>
+            </a:r>
             <a:endParaRPr lang="en-MY" dirty="0"/>
           </a:p>
         </p:txBody>
       </p:sp>
       <p:pic>
         <p:nvPicPr>
-          <p:cNvPr id="4" name="Picture 3"/>
+          <p:cNvPr id="1026" name="Picture 2">
+            <a:extLst>
+              <a:ext uri="{FF2B5EF4-FFF2-40B4-BE49-F238E27FC236}">
+                <a16:creationId xmlns:a16="http://schemas.microsoft.com/office/drawing/2014/main" id="{E3E83FD7-5306-4F66-B291-EC847A8EB331}"/>
+              </a:ext>
+            </a:extLst>
+          </p:cNvPr>
           <p:cNvPicPr>
-            <a:picLocks noChangeAspect="1"/>
+            <a:picLocks noChangeAspect="1" noChangeArrowheads="1"/>
           </p:cNvPicPr>
           <p:nvPr/>
         </p:nvPicPr>
         <p:blipFill>
-          <a:blip r:embed="rId3"/>
+          <a:blip r:embed="rId3">
+            <a:extLst>
+              <a:ext uri="{28A0092B-C50C-407E-A947-70E740481C1C}">
+                <a14:useLocalDpi xmlns:a14="http://schemas.microsoft.com/office/drawing/2010/main" val="0"/>
+              </a:ext>
+            </a:extLst>
+          </a:blip>
+          <a:srcRect/>
           <a:stretch>
             <a:fillRect/>
           </a:stretch>
         </p:blipFill>
-        <p:spPr>
+        <p:spPr bwMode="auto">
           <a:xfrm>
-            <a:off x="914399" y="1937145"/>
-            <a:ext cx="6971832" cy="3065466"/>
+            <a:off x="495030" y="1389256"/>
+            <a:ext cx="3132930" cy="1597690"/>
           </a:xfrm>
           <a:prstGeom prst="rect">
             <a:avLst/>
           </a:prstGeom>
+          <a:noFill/>
+          <a:extLst>
+            <a:ext uri="{909E8E84-426E-40DD-AFC4-6F175D3DCCD1}">
+              <a14:hiddenFill xmlns:a14="http://schemas.microsoft.com/office/drawing/2010/main">
+                <a:solidFill>
+                  <a:srgbClr val="FFFFFF"/>
+                </a:solidFill>
+              </a14:hiddenFill>
+            </a:ext>
+          </a:extLst>
         </p:spPr>
       </p:pic>
+      <p:pic>
+        <p:nvPicPr>
+          <p:cNvPr id="1028" name="Picture 4">
+            <a:extLst>
+              <a:ext uri="{FF2B5EF4-FFF2-40B4-BE49-F238E27FC236}">
+                <a16:creationId xmlns:a16="http://schemas.microsoft.com/office/drawing/2014/main" id="{05341A94-4A37-4029-B514-8CAE10CF4347}"/>
+              </a:ext>
+            </a:extLst>
+          </p:cNvPr>
+          <p:cNvPicPr>
+            <a:picLocks noChangeAspect="1" noChangeArrowheads="1"/>
+          </p:cNvPicPr>
+          <p:nvPr/>
+        </p:nvPicPr>
+        <p:blipFill>
+          <a:blip r:embed="rId4">
+            <a:extLst>
+              <a:ext uri="{28A0092B-C50C-407E-A947-70E740481C1C}">
+                <a14:useLocalDpi xmlns:a14="http://schemas.microsoft.com/office/drawing/2010/main" val="0"/>
+              </a:ext>
+            </a:extLst>
+          </a:blip>
+          <a:srcRect/>
+          <a:stretch>
+            <a:fillRect/>
+          </a:stretch>
+        </p:blipFill>
+        <p:spPr bwMode="auto">
+          <a:xfrm>
+            <a:off x="495030" y="3106682"/>
+            <a:ext cx="3399163" cy="1878789"/>
+          </a:xfrm>
+          <a:prstGeom prst="rect">
+            <a:avLst/>
+          </a:prstGeom>
+          <a:noFill/>
+          <a:extLst>
+            <a:ext uri="{909E8E84-426E-40DD-AFC4-6F175D3DCCD1}">
+              <a14:hiddenFill xmlns:a14="http://schemas.microsoft.com/office/drawing/2010/main">
+                <a:solidFill>
+                  <a:srgbClr val="FFFFFF"/>
+                </a:solidFill>
+              </a14:hiddenFill>
+            </a:ext>
+          </a:extLst>
+        </p:spPr>
+      </p:pic>
+      <p:sp>
+        <p:nvSpPr>
+          <p:cNvPr id="7" name="TextBox 6">
+            <a:extLst>
+              <a:ext uri="{FF2B5EF4-FFF2-40B4-BE49-F238E27FC236}">
+                <a16:creationId xmlns:a16="http://schemas.microsoft.com/office/drawing/2014/main" id="{B9C963FB-5A27-4320-B9E6-B867B37F2D49}"/>
+              </a:ext>
+            </a:extLst>
+          </p:cNvPr>
+          <p:cNvSpPr txBox="1"/>
+          <p:nvPr/>
+        </p:nvSpPr>
+        <p:spPr>
+          <a:xfrm>
+            <a:off x="4169791" y="1224803"/>
+            <a:ext cx="4771369" cy="3108543"/>
+          </a:xfrm>
+          <a:prstGeom prst="rect">
+            <a:avLst/>
+          </a:prstGeom>
+          <a:noFill/>
+        </p:spPr>
+        <p:txBody>
+          <a:bodyPr wrap="square" rtlCol="0">
+            <a:spAutoFit/>
+          </a:bodyPr>
+          <a:lstStyle/>
+          <a:p>
+            <a:pPr algn="l"/>
+            <a:r>
+              <a:rPr lang="en-US" b="0" i="0" dirty="0">
+                <a:solidFill>
+                  <a:schemeClr val="tx1"/>
+                </a:solidFill>
+                <a:effectLst/>
+                <a:latin typeface="charter"/>
+              </a:rPr>
+              <a:t>“‘k’ in KNN is a parameter that refers to the number of nearest </a:t>
+            </a:r>
+            <a:r>
+              <a:rPr lang="en-US" b="0" i="0" dirty="0" err="1">
+                <a:solidFill>
+                  <a:schemeClr val="tx1"/>
+                </a:solidFill>
+                <a:effectLst/>
+                <a:latin typeface="charter"/>
+              </a:rPr>
+              <a:t>neighbours</a:t>
+            </a:r>
+            <a:r>
+              <a:rPr lang="en-US" b="0" i="0" dirty="0">
+                <a:solidFill>
+                  <a:schemeClr val="tx1"/>
+                </a:solidFill>
+                <a:effectLst/>
+                <a:latin typeface="charter"/>
+              </a:rPr>
+              <a:t> to include in the majority of the voting process.</a:t>
+            </a:r>
+          </a:p>
+          <a:p>
+            <a:pPr algn="l"/>
+            <a:r>
+              <a:rPr lang="en-US" b="0" i="0" dirty="0">
+                <a:solidFill>
+                  <a:schemeClr val="tx1"/>
+                </a:solidFill>
+                <a:effectLst/>
+                <a:latin typeface="charter"/>
+              </a:rPr>
+              <a:t>Suppose, if we add a new glass of wine in the dataset. We would like to know whether the new wine is red or white?</a:t>
+            </a:r>
+          </a:p>
+          <a:p>
+            <a:pPr algn="l"/>
+            <a:endParaRPr lang="en-US" dirty="0">
+              <a:solidFill>
+                <a:schemeClr val="tx1"/>
+              </a:solidFill>
+              <a:latin typeface="charter"/>
+            </a:endParaRPr>
+          </a:p>
+          <a:p>
+            <a:pPr algn="l"/>
+            <a:endParaRPr lang="en-US" b="0" i="0" dirty="0">
+              <a:solidFill>
+                <a:schemeClr val="tx1"/>
+              </a:solidFill>
+              <a:effectLst/>
+              <a:latin typeface="charter"/>
+            </a:endParaRPr>
+          </a:p>
+          <a:p>
+            <a:pPr algn="l"/>
+            <a:r>
+              <a:rPr lang="en-US" b="0" i="0" dirty="0">
+                <a:solidFill>
+                  <a:schemeClr val="tx1"/>
+                </a:solidFill>
+                <a:effectLst/>
+                <a:latin typeface="charter"/>
+              </a:rPr>
+              <a:t>So, we need to find out what the </a:t>
+            </a:r>
+            <a:r>
+              <a:rPr lang="en-US" b="0" i="0" dirty="0" err="1">
+                <a:solidFill>
+                  <a:schemeClr val="tx1"/>
+                </a:solidFill>
+                <a:effectLst/>
+                <a:latin typeface="charter"/>
+              </a:rPr>
+              <a:t>neighbours</a:t>
+            </a:r>
+            <a:r>
+              <a:rPr lang="en-US" b="0" i="0" dirty="0">
+                <a:solidFill>
+                  <a:schemeClr val="tx1"/>
+                </a:solidFill>
+                <a:effectLst/>
+                <a:latin typeface="charter"/>
+              </a:rPr>
+              <a:t> are in this case. Let’s say k = 5 and the new data point is classified by the majority of votes from its five </a:t>
+            </a:r>
+            <a:r>
+              <a:rPr lang="en-US" b="0" i="0" dirty="0" err="1">
+                <a:solidFill>
+                  <a:schemeClr val="tx1"/>
+                </a:solidFill>
+                <a:effectLst/>
+                <a:latin typeface="charter"/>
+              </a:rPr>
+              <a:t>neighbours</a:t>
+            </a:r>
+            <a:r>
+              <a:rPr lang="en-US" b="0" i="0" dirty="0">
+                <a:solidFill>
+                  <a:schemeClr val="tx1"/>
+                </a:solidFill>
+                <a:effectLst/>
+                <a:latin typeface="charter"/>
+              </a:rPr>
+              <a:t> and the new point would be classified as red since four out of five </a:t>
+            </a:r>
+            <a:r>
+              <a:rPr lang="en-US" b="0" i="0" dirty="0" err="1">
+                <a:solidFill>
+                  <a:schemeClr val="tx1"/>
+                </a:solidFill>
+                <a:effectLst/>
+                <a:latin typeface="charter"/>
+              </a:rPr>
+              <a:t>neighbours</a:t>
+            </a:r>
+            <a:r>
+              <a:rPr lang="en-US" b="0" i="0" dirty="0">
+                <a:solidFill>
+                  <a:schemeClr val="tx1"/>
+                </a:solidFill>
+                <a:effectLst/>
+                <a:latin typeface="charter"/>
+              </a:rPr>
+              <a:t> are red.”</a:t>
+            </a:r>
+          </a:p>
+          <a:p>
+            <a:r>
+              <a:rPr lang="en-MY" dirty="0"/>
+              <a:t>-- https://towardsdatascience.com/a-simple-introduction-to-k-nearest-neighbors-algorithm-b3519ed98e</a:t>
+            </a:r>
+          </a:p>
+          <a:p>
+            <a:endParaRPr lang="en-MY" dirty="0"/>
+          </a:p>
+        </p:txBody>
+      </p:sp>
     </p:spTree>
     <p:extLst>
       <p:ext uri="{BB962C8B-B14F-4D97-AF65-F5344CB8AC3E}">
@@ -7825,16 +8193,12 @@
           <a:lstStyle/>
           <a:p>
             <a:r>
-              <a:rPr lang="en-MY" dirty="0" smtClean="0"/>
+              <a:rPr lang="en-MY" dirty="0"/>
               <a:t>1.4 </a:t>
             </a:r>
             <a:r>
               <a:rPr lang="en-US" sz="2800" dirty="0"/>
-              <a:t>Decision </a:t>
-            </a:r>
-            <a:r>
-              <a:rPr lang="en-US" sz="2800" dirty="0" smtClean="0"/>
-              <a:t>Tree</a:t>
+              <a:t>Decision Tree</a:t>
             </a:r>
             <a:endParaRPr lang="en-MY" dirty="0"/>
           </a:p>
@@ -7859,15 +8223,9 @@
               <a:rPr lang="en-MY" dirty="0">
                 <a:hlinkClick r:id="rId2"/>
               </a:rPr>
-              <a:t>https://blog.davidvassallo.me/2019/08/06/3-uses-for-random-decision-trees-forests-you-maybe-didnt-know-about</a:t>
-            </a:r>
-            <a:r>
-              <a:rPr lang="en-MY" dirty="0" smtClean="0">
-                <a:hlinkClick r:id="rId2"/>
-              </a:rPr>
-              <a:t>/</a:t>
-            </a:r>
-            <a:endParaRPr lang="en-MY" dirty="0" smtClean="0"/>
+              <a:t>https://blog.davidvassallo.me/2019/08/06/3-uses-for-random-decision-trees-forests-you-maybe-didnt-know-about/</a:t>
+            </a:r>
+            <a:endParaRPr lang="en-MY" dirty="0"/>
           </a:p>
           <a:p>
             <a:endParaRPr lang="en-MY" dirty="0"/>
@@ -7946,16 +8304,12 @@
           <a:lstStyle/>
           <a:p>
             <a:r>
-              <a:rPr lang="en-MY" dirty="0" smtClean="0"/>
+              <a:rPr lang="en-MY" dirty="0"/>
               <a:t>1.5 </a:t>
             </a:r>
             <a:r>
               <a:rPr lang="en-US" sz="2800" dirty="0"/>
-              <a:t>Random </a:t>
-            </a:r>
-            <a:r>
-              <a:rPr lang="en-US" sz="2800" dirty="0" smtClean="0"/>
-              <a:t>Forest</a:t>
+              <a:t>Random Forest</a:t>
             </a:r>
             <a:endParaRPr lang="en-MY" dirty="0"/>
           </a:p>
@@ -8181,16 +8535,12 @@
           <a:lstStyle/>
           <a:p>
             <a:r>
-              <a:rPr lang="en-MY" dirty="0" smtClean="0"/>
+              <a:rPr lang="en-MY" dirty="0"/>
               <a:t>1.6 </a:t>
             </a:r>
             <a:r>
               <a:rPr lang="en-US" sz="2800" dirty="0"/>
-              <a:t>Support Vector </a:t>
-            </a:r>
-            <a:r>
-              <a:rPr lang="en-US" sz="2800" dirty="0" smtClean="0"/>
-              <a:t>Machine</a:t>
+              <a:t>Support Vector Machine</a:t>
             </a:r>
             <a:endParaRPr lang="en-MY" dirty="0"/>
           </a:p>
@@ -8215,15 +8565,9 @@
               <a:rPr lang="en-MY" dirty="0">
                 <a:hlinkClick r:id="rId2"/>
               </a:rPr>
-              <a:t>https://favouriteblog.com/machine-learning-algorithms-which-one-to-choose-for-your-problem</a:t>
-            </a:r>
-            <a:r>
-              <a:rPr lang="en-MY" dirty="0" smtClean="0">
-                <a:hlinkClick r:id="rId2"/>
-              </a:rPr>
-              <a:t>/</a:t>
-            </a:r>
-            <a:endParaRPr lang="en-MY" dirty="0" smtClean="0"/>
+              <a:t>https://favouriteblog.com/machine-learning-algorithms-which-one-to-choose-for-your-problem/</a:t>
+            </a:r>
+            <a:endParaRPr lang="en-MY" dirty="0"/>
           </a:p>
           <a:p>
             <a:endParaRPr lang="en-MY" dirty="0"/>
@@ -8313,12 +8657,8 @@
               <a:buSzPts val="2900"/>
             </a:pPr>
             <a:r>
-              <a:rPr lang="en-GB" sz="3200" dirty="0" smtClean="0"/>
-              <a:t>2. Clustering </a:t>
-            </a:r>
-            <a:r>
               <a:rPr lang="en-GB" sz="3200" dirty="0"/>
-              <a:t>model </a:t>
+              <a:t>2. Clustering model </a:t>
             </a:r>
           </a:p>
         </p:txBody>
@@ -8356,7 +8696,6 @@
               <a:rPr lang="en-MY" sz="2800" dirty="0"/>
               <a:t>Hierarchical </a:t>
             </a:r>
-            <a:endParaRPr lang="en-MY" sz="2800" dirty="0" smtClean="0"/>
           </a:p>
           <a:p>
             <a:pPr>
@@ -8364,7 +8703,7 @@
               <a:buAutoNum type="arabicParenR"/>
             </a:pPr>
             <a:r>
-              <a:rPr lang="en-MY" sz="2800" dirty="0" smtClean="0"/>
+              <a:rPr lang="en-MY" sz="2800" dirty="0"/>
               <a:t>Principle Component Analysis</a:t>
             </a:r>
           </a:p>
@@ -8374,7 +8713,7 @@
               <a:buAutoNum type="arabicParenR"/>
             </a:pPr>
             <a:r>
-              <a:rPr lang="en-MY" sz="2800" dirty="0" smtClean="0"/>
+              <a:rPr lang="en-MY" sz="2800" dirty="0"/>
               <a:t>T-SNE</a:t>
             </a:r>
           </a:p>
@@ -8384,7 +8723,7 @@
               <a:buAutoNum type="arabicParenR"/>
             </a:pPr>
             <a:r>
-              <a:rPr lang="en-MY" sz="2800" dirty="0" smtClean="0"/>
+              <a:rPr lang="en-MY" sz="2800" dirty="0"/>
               <a:t>UMAP</a:t>
             </a:r>
           </a:p>
@@ -8394,7 +8733,7 @@
               <a:buAutoNum type="arabicParenR"/>
             </a:pPr>
             <a:r>
-              <a:rPr lang="en-MY" sz="2800" dirty="0" smtClean="0"/>
+              <a:rPr lang="en-MY" sz="2800" dirty="0"/>
               <a:t>K Means</a:t>
             </a:r>
           </a:p>
@@ -8448,11 +8787,11 @@
           <a:lstStyle/>
           <a:p>
             <a:r>
-              <a:rPr lang="en-MY" dirty="0" smtClean="0"/>
+              <a:rPr lang="en-MY" dirty="0"/>
               <a:t>2.1 </a:t>
             </a:r>
             <a:r>
-              <a:rPr lang="en-MY" sz="3200" dirty="0" smtClean="0"/>
+              <a:rPr lang="en-MY" sz="3200" dirty="0"/>
               <a:t>Hierarchical Clustering</a:t>
             </a:r>
             <a:endParaRPr lang="en-MY" dirty="0"/>
@@ -8483,15 +8822,9 @@
               <a:rPr lang="en-MY" dirty="0">
                 <a:hlinkClick r:id="rId2"/>
               </a:rPr>
-              <a:t>https://</a:t>
-            </a:r>
-            <a:r>
-              <a:rPr lang="en-MY" dirty="0" smtClean="0">
-                <a:hlinkClick r:id="rId2"/>
-              </a:rPr>
-              <a:t>www.youtube.com/watch?v=7xHsRkOdVwo</a:t>
-            </a:r>
-            <a:endParaRPr lang="en-MY" dirty="0" smtClean="0"/>
+              <a:t>https://www.youtube.com/watch?v=7xHsRkOdVwo</a:t>
+            </a:r>
+            <a:endParaRPr lang="en-MY" dirty="0"/>
           </a:p>
           <a:p>
             <a:endParaRPr lang="en-MY" dirty="0"/>
@@ -8501,18 +8834,12 @@
               <a:rPr lang="en-MY" dirty="0">
                 <a:hlinkClick r:id="rId3"/>
               </a:rPr>
-              <a:t>https://</a:t>
-            </a:r>
-            <a:r>
-              <a:rPr lang="en-MY" dirty="0" smtClean="0">
-                <a:hlinkClick r:id="rId3"/>
-              </a:rPr>
-              <a:t>www.cs.princeton.edu/courses/archive/fall18/cos324/files/hierarchical-clustering.pdf</a:t>
-            </a:r>
-            <a:endParaRPr lang="en-MY" dirty="0" smtClean="0"/>
-          </a:p>
-          <a:p>
-            <a:endParaRPr lang="en-MY" dirty="0" smtClean="0"/>
+              <a:t>https://www.cs.princeton.edu/courses/archive/fall18/cos324/files/hierarchical-clustering.pdf</a:t>
+            </a:r>
+            <a:endParaRPr lang="en-MY" dirty="0"/>
+          </a:p>
+          <a:p>
+            <a:endParaRPr lang="en-MY" dirty="0"/>
           </a:p>
           <a:p>
             <a:endParaRPr lang="en-MY" dirty="0"/>
@@ -8591,7 +8918,7 @@
           <a:lstStyle/>
           <a:p>
             <a:r>
-              <a:rPr lang="en-MY" dirty="0" smtClean="0"/>
+              <a:rPr lang="en-MY" dirty="0"/>
               <a:t>2.1 </a:t>
             </a:r>
             <a:r>
@@ -8620,15 +8947,9 @@
               <a:rPr lang="en-MY" dirty="0">
                 <a:hlinkClick r:id="rId2"/>
               </a:rPr>
-              <a:t>https://</a:t>
-            </a:r>
-            <a:r>
-              <a:rPr lang="en-MY" dirty="0" smtClean="0">
-                <a:hlinkClick r:id="rId2"/>
-              </a:rPr>
-              <a:t>www.sartorius.com/en/knowledge/science-snippets/what-is-principal-component-analysis-pca-and-how-it-is-used-507186</a:t>
-            </a:r>
-            <a:endParaRPr lang="en-MY" dirty="0" smtClean="0"/>
+              <a:t>https://www.sartorius.com/en/knowledge/science-snippets/what-is-principal-component-analysis-pca-and-how-it-is-used-507186</a:t>
+            </a:r>
+            <a:endParaRPr lang="en-MY" dirty="0"/>
           </a:p>
           <a:p>
             <a:endParaRPr lang="en-MY" dirty="0"/>
@@ -8711,13 +9032,8 @@
           <a:p>
             <a:r>
               <a:rPr lang="en-MY" sz="3200" dirty="0"/>
-              <a:t>2.3 </a:t>
-            </a:r>
-            <a:r>
-              <a:rPr lang="en-MY" sz="3200" dirty="0" smtClean="0"/>
-              <a:t>t-SNE</a:t>
-            </a:r>
-            <a:endParaRPr lang="en-MY" sz="3200" dirty="0"/>
+              <a:t>2.3 t-SNE</a:t>
+            </a:r>
           </a:p>
         </p:txBody>
       </p:sp>
@@ -8746,11 +9062,7 @@
             </a:r>
             <a:r>
               <a:rPr lang="en-MY" dirty="0"/>
-              <a:t> embedding</a:t>
-            </a:r>
-            <a:r>
-              <a:rPr lang="en-MY" dirty="0" smtClean="0"/>
-              <a:t>)</a:t>
+              <a:t> embedding)</a:t>
             </a:r>
           </a:p>
           <a:p>
@@ -8758,15 +9070,9 @@
               <a:rPr lang="en-MY" dirty="0">
                 <a:hlinkClick r:id="rId2"/>
               </a:rPr>
-              <a:t>https://distill.pub/2016/misread-tsne</a:t>
-            </a:r>
-            <a:r>
-              <a:rPr lang="en-MY" dirty="0" smtClean="0">
-                <a:hlinkClick r:id="rId2"/>
-              </a:rPr>
-              <a:t>/</a:t>
-            </a:r>
-            <a:endParaRPr lang="en-MY" dirty="0" smtClean="0"/>
+              <a:t>https://distill.pub/2016/misread-tsne/</a:t>
+            </a:r>
+            <a:endParaRPr lang="en-MY" dirty="0"/>
           </a:p>
           <a:p>
             <a:endParaRPr lang="en-MY" dirty="0"/>
@@ -8845,10 +9151,9 @@
           <a:lstStyle/>
           <a:p>
             <a:r>
-              <a:rPr lang="en-MY" dirty="0" smtClean="0"/>
+              <a:rPr lang="en-MY" dirty="0"/>
               <a:t>2.4 UMAP </a:t>
             </a:r>
-            <a:endParaRPr lang="en-MY" dirty="0"/>
           </a:p>
         </p:txBody>
       </p:sp>
@@ -8869,19 +9174,7 @@
           <a:p>
             <a:r>
               <a:rPr lang="en-US" dirty="0"/>
-              <a:t>Uniform </a:t>
-            </a:r>
-            <a:r>
-              <a:rPr lang="en-US" dirty="0" smtClean="0"/>
-              <a:t>Manifold </a:t>
-            </a:r>
-            <a:r>
-              <a:rPr lang="en-US" dirty="0"/>
-              <a:t>Approximation and Projection for Dimension </a:t>
-            </a:r>
-            <a:r>
-              <a:rPr lang="en-US" dirty="0" smtClean="0"/>
-              <a:t>Reduction</a:t>
+              <a:t>Uniform Manifold Approximation and Projection for Dimension Reduction</a:t>
             </a:r>
           </a:p>
           <a:p>
@@ -8889,15 +9182,9 @@
               <a:rPr lang="en-MY" dirty="0">
                 <a:hlinkClick r:id="rId2"/>
               </a:rPr>
-              <a:t>https://pair-code.github.io/understanding-umap</a:t>
-            </a:r>
-            <a:r>
-              <a:rPr lang="en-MY" dirty="0" smtClean="0">
-                <a:hlinkClick r:id="rId2"/>
-              </a:rPr>
-              <a:t>/</a:t>
-            </a:r>
-            <a:endParaRPr lang="en-MY" dirty="0" smtClean="0"/>
+              <a:t>https://pair-code.github.io/understanding-umap/</a:t>
+            </a:r>
+            <a:endParaRPr lang="en-MY" dirty="0"/>
           </a:p>
           <a:p>
             <a:endParaRPr lang="en-MY" dirty="0"/>
@@ -9025,16 +9312,109 @@
           </a:bodyPr>
           <a:lstStyle/>
           <a:p>
-            <a:pPr marL="0" lvl="0" indent="0" algn="l" rtl="0">
+            <a:pPr marL="342900" lvl="0" algn="l" rtl="0">
               <a:spcBef>
                 <a:spcPts val="0"/>
               </a:spcBef>
               <a:spcAft>
                 <a:spcPts val="1200"/>
               </a:spcAft>
-              <a:buNone/>
+              <a:buAutoNum type="arabicPeriod"/>
             </a:pPr>
-            <a:endParaRPr/>
+            <a:r>
+              <a:rPr lang="en-MY" dirty="0"/>
+              <a:t>Understanding the concepts of a data Model (as Model for understanding data and interpreting data, and not in structuring data for databases) </a:t>
+            </a:r>
+          </a:p>
+          <a:p>
+            <a:pPr marL="342900" lvl="0" algn="l" rtl="0">
+              <a:spcBef>
+                <a:spcPts val="0"/>
+              </a:spcBef>
+              <a:spcAft>
+                <a:spcPts val="1200"/>
+              </a:spcAft>
+              <a:buAutoNum type="arabicPeriod"/>
+            </a:pPr>
+            <a:r>
+              <a:rPr lang="en-MY" dirty="0"/>
+              <a:t>Understand the needs to </a:t>
+            </a:r>
+            <a:r>
+              <a:rPr lang="en-US" altLang="zh-CN" dirty="0"/>
+              <a:t>tidying up </a:t>
+            </a:r>
+            <a:r>
+              <a:rPr lang="en-MY" dirty="0"/>
+              <a:t>data prior to modelling data </a:t>
+            </a:r>
+          </a:p>
+          <a:p>
+            <a:pPr marL="342900" lvl="0" algn="l" rtl="0">
+              <a:spcBef>
+                <a:spcPts val="0"/>
+              </a:spcBef>
+              <a:spcAft>
+                <a:spcPts val="1200"/>
+              </a:spcAft>
+              <a:buAutoNum type="arabicPeriod"/>
+            </a:pPr>
+            <a:r>
+              <a:rPr lang="en-MY" dirty="0"/>
+              <a:t>Know the name of the data model and one of the libraries that allow you to use such model</a:t>
+            </a:r>
+          </a:p>
+          <a:p>
+            <a:pPr marL="800100" lvl="1">
+              <a:spcAft>
+                <a:spcPts val="1200"/>
+              </a:spcAft>
+              <a:buAutoNum type="arabicPeriod"/>
+            </a:pPr>
+            <a:r>
+              <a:rPr lang="en-MY" dirty="0"/>
+              <a:t>Conceptualised</a:t>
+            </a:r>
+            <a:r>
+              <a:rPr lang="zh-CN" altLang="en-US" dirty="0"/>
+              <a:t> </a:t>
+            </a:r>
+            <a:r>
+              <a:rPr lang="en-MY" altLang="zh-CN" dirty="0"/>
+              <a:t>the</a:t>
+            </a:r>
+            <a:r>
+              <a:rPr lang="zh-CN" altLang="en-US" dirty="0"/>
+              <a:t> </a:t>
+            </a:r>
+            <a:r>
+              <a:rPr lang="en-MY" altLang="zh-CN" dirty="0"/>
+              <a:t>typical example and intentional use case for each models </a:t>
+            </a:r>
+          </a:p>
+          <a:p>
+            <a:pPr marL="800100" lvl="1">
+              <a:spcAft>
+                <a:spcPts val="1200"/>
+              </a:spcAft>
+              <a:buAutoNum type="arabicPeriod"/>
+            </a:pPr>
+            <a:r>
+              <a:rPr lang="en-MY" dirty="0"/>
+              <a:t>Benefits and Limitation of each models </a:t>
+            </a:r>
+          </a:p>
+          <a:p>
+            <a:pPr marL="342900" lvl="0" algn="l" rtl="0">
+              <a:spcBef>
+                <a:spcPts val="0"/>
+              </a:spcBef>
+              <a:spcAft>
+                <a:spcPts val="1200"/>
+              </a:spcAft>
+              <a:buAutoNum type="arabicPeriod"/>
+            </a:pPr>
+            <a:endParaRPr dirty="0"/>
           </a:p>
         </p:txBody>
       </p:sp>
@@ -9111,15 +9491,9 @@
               <a:rPr lang="en-MY" dirty="0">
                 <a:hlinkClick r:id="rId2"/>
               </a:rPr>
-              <a:t>https://365datascience.com/tutorials/python-tutorials/k-means-clustering</a:t>
-            </a:r>
-            <a:r>
-              <a:rPr lang="en-MY" dirty="0" smtClean="0">
-                <a:hlinkClick r:id="rId2"/>
-              </a:rPr>
-              <a:t>/</a:t>
-            </a:r>
-            <a:endParaRPr lang="en-MY" dirty="0" smtClean="0"/>
+              <a:t>https://365datascience.com/tutorials/python-tutorials/k-means-clustering/</a:t>
+            </a:r>
+            <a:endParaRPr lang="en-MY" dirty="0"/>
           </a:p>
           <a:p>
             <a:endParaRPr lang="en-MY" dirty="0"/>
@@ -9209,10 +9583,9 @@
               <a:buSzPts val="2900"/>
             </a:pPr>
             <a:r>
-              <a:rPr lang="en-GB" sz="3200" dirty="0" smtClean="0"/>
+              <a:rPr lang="en-GB" sz="3200" dirty="0"/>
               <a:t>3. Forecast model (Predictive Models)</a:t>
             </a:r>
-            <a:endParaRPr lang="en-GB" sz="3200" dirty="0"/>
           </a:p>
         </p:txBody>
       </p:sp>
@@ -9252,7 +9625,7 @@
               <a:buAutoNum type="arabicPeriod"/>
             </a:pPr>
             <a:r>
-              <a:rPr lang="en-MY" sz="2900" dirty="0" smtClean="0"/>
+              <a:rPr lang="en-MY" sz="2900" dirty="0"/>
               <a:t>Neural Network?</a:t>
             </a:r>
           </a:p>
@@ -9263,11 +9636,7 @@
             </a:pPr>
             <a:r>
               <a:rPr lang="en-MY" sz="2500" dirty="0"/>
-              <a:t>MLP (Multilayer </a:t>
-            </a:r>
-            <a:r>
-              <a:rPr lang="en-MY" sz="2500" dirty="0" smtClean="0"/>
-              <a:t>Perceptron)</a:t>
+              <a:t>MLP (Multilayer Perceptron)</a:t>
             </a:r>
           </a:p>
           <a:p>
@@ -9276,7 +9645,7 @@
               <a:buAutoNum type="arabicPeriod"/>
             </a:pPr>
             <a:r>
-              <a:rPr lang="en-MY" sz="2500" dirty="0" smtClean="0"/>
+              <a:rPr lang="en-MY" sz="2500" dirty="0"/>
               <a:t>Convolutional </a:t>
             </a:r>
           </a:p>
@@ -9286,7 +9655,7 @@
               <a:buAutoNum type="arabicPeriod"/>
             </a:pPr>
             <a:r>
-              <a:rPr lang="en-MY" sz="2500" dirty="0" smtClean="0"/>
+              <a:rPr lang="en-MY" sz="2500" dirty="0"/>
               <a:t>Recurrent</a:t>
             </a:r>
           </a:p>
@@ -9296,7 +9665,7 @@
               <a:buAutoNum type="arabicPeriod"/>
             </a:pPr>
             <a:r>
-              <a:rPr lang="en-MY" sz="2500" dirty="0" smtClean="0"/>
+              <a:rPr lang="en-MY" sz="2500" dirty="0"/>
               <a:t>Auto-encoder (Classification and Dimensional Reduction)</a:t>
             </a:r>
           </a:p>
@@ -9306,11 +9675,11 @@
               <a:buAutoNum type="arabicPeriod"/>
             </a:pPr>
             <a:r>
-              <a:rPr lang="en-MY" sz="2500" dirty="0" err="1" smtClean="0"/>
+              <a:rPr lang="en-MY" sz="2500" dirty="0" err="1"/>
               <a:t>Etc</a:t>
             </a:r>
             <a:r>
-              <a:rPr lang="en-MY" sz="2500" dirty="0" smtClean="0"/>
+              <a:rPr lang="en-MY" sz="2500" dirty="0"/>
               <a:t> (RBM, Transformer, and many more)</a:t>
             </a:r>
           </a:p>
@@ -9325,7 +9694,7 @@
               <a:buSzPts val="2900"/>
               <a:buAutoNum type="arabicPeriod"/>
             </a:pPr>
-            <a:endParaRPr lang="en-MY" sz="2900" dirty="0" smtClean="0"/>
+            <a:endParaRPr lang="en-MY" sz="2900" dirty="0"/>
           </a:p>
           <a:p>
             <a:pPr marL="457200" lvl="0" indent="-412750" algn="l" rtl="0">
@@ -9386,18 +9755,9 @@
           <a:p>
             <a:pPr lvl="1"/>
             <a:r>
-              <a:rPr lang="en-MY" sz="3200" dirty="0" smtClean="0"/>
-              <a:t>3.1.1 MLP </a:t>
-            </a:r>
-            <a:r>
               <a:rPr lang="en-MY" sz="3200" dirty="0"/>
-              <a:t>(Multilayer Perceptron</a:t>
-            </a:r>
-            <a:r>
-              <a:rPr lang="en-MY" sz="3200" dirty="0" smtClean="0"/>
-              <a:t>)</a:t>
-            </a:r>
-            <a:endParaRPr lang="en-MY" sz="3200" dirty="0"/>
+              <a:t>3.1.1 MLP (Multilayer Perceptron)</a:t>
+            </a:r>
           </a:p>
         </p:txBody>
       </p:sp>
@@ -9496,18 +9856,9 @@
           <a:p>
             <a:pPr lvl="1"/>
             <a:r>
-              <a:rPr lang="en-MY" sz="3200" dirty="0" smtClean="0"/>
-              <a:t>3.1.2 </a:t>
-            </a:r>
-            <a:r>
               <a:rPr lang="en-MY" sz="3200" dirty="0"/>
-              <a:t>Convolutional </a:t>
-            </a:r>
-            <a:r>
-              <a:rPr lang="en-MY" sz="3200" dirty="0" smtClean="0"/>
-              <a:t>Neural Network</a:t>
-            </a:r>
-            <a:endParaRPr lang="en-MY" sz="3200" dirty="0"/>
+              <a:t>3.1.2 Convolutional Neural Network</a:t>
+            </a:r>
           </a:p>
         </p:txBody>
       </p:sp>
@@ -9530,30 +9881,18 @@
               <a:rPr lang="en-MY" dirty="0">
                 <a:hlinkClick r:id="rId3"/>
               </a:rPr>
-              <a:t>https://</a:t>
-            </a:r>
-            <a:r>
-              <a:rPr lang="en-MY" dirty="0" smtClean="0">
-                <a:hlinkClick r:id="rId3"/>
-              </a:rPr>
-              <a:t>www.ibm.com/cloud/learn/convolutional-neural-networks</a:t>
-            </a:r>
-            <a:endParaRPr lang="en-MY" dirty="0" smtClean="0"/>
+              <a:t>https://www.ibm.com/cloud/learn/convolutional-neural-networks</a:t>
+            </a:r>
+            <a:endParaRPr lang="en-MY" dirty="0"/>
           </a:p>
           <a:p>
             <a:r>
               <a:rPr lang="en-MY" dirty="0">
                 <a:hlinkClick r:id="rId4"/>
               </a:rPr>
-              <a:t>https://</a:t>
-            </a:r>
-            <a:r>
-              <a:rPr lang="en-MY" dirty="0" smtClean="0">
-                <a:hlinkClick r:id="rId4"/>
-              </a:rPr>
-              <a:t>deepai.org/machine-learning-glossary-and-terms/convolutional-neural-network</a:t>
-            </a:r>
-            <a:endParaRPr lang="en-MY" dirty="0" smtClean="0"/>
+              <a:t>https://deepai.org/machine-learning-glossary-and-terms/convolutional-neural-network</a:t>
+            </a:r>
+            <a:endParaRPr lang="en-MY" dirty="0"/>
           </a:p>
           <a:p>
             <a:endParaRPr lang="en-MY" dirty="0"/>
@@ -9633,18 +9972,9 @@
           <a:p>
             <a:pPr lvl="1"/>
             <a:r>
-              <a:rPr lang="en-MY" sz="3200" dirty="0" smtClean="0"/>
-              <a:t>3.1.2 </a:t>
-            </a:r>
-            <a:r>
               <a:rPr lang="en-MY" sz="3200" dirty="0"/>
-              <a:t>Convolutional </a:t>
-            </a:r>
-            <a:r>
-              <a:rPr lang="en-MY" sz="3200" dirty="0" smtClean="0"/>
-              <a:t>Neural Network</a:t>
-            </a:r>
-            <a:endParaRPr lang="en-MY" sz="3200" dirty="0"/>
+              <a:t>3.1.2 Convolutional Neural Network</a:t>
+            </a:r>
           </a:p>
         </p:txBody>
       </p:sp>
@@ -9667,30 +9997,18 @@
               <a:rPr lang="en-MY" dirty="0">
                 <a:hlinkClick r:id="rId3"/>
               </a:rPr>
-              <a:t>https://</a:t>
-            </a:r>
-            <a:r>
-              <a:rPr lang="en-MY" dirty="0" smtClean="0">
-                <a:hlinkClick r:id="rId3"/>
-              </a:rPr>
-              <a:t>www.ibm.com/cloud/learn/convolutional-neural-networks</a:t>
-            </a:r>
-            <a:endParaRPr lang="en-MY" dirty="0" smtClean="0"/>
+              <a:t>https://www.ibm.com/cloud/learn/convolutional-neural-networks</a:t>
+            </a:r>
+            <a:endParaRPr lang="en-MY" dirty="0"/>
           </a:p>
           <a:p>
             <a:r>
               <a:rPr lang="en-MY" dirty="0">
                 <a:hlinkClick r:id="rId4"/>
               </a:rPr>
-              <a:t>https://</a:t>
-            </a:r>
-            <a:r>
-              <a:rPr lang="en-MY" dirty="0" smtClean="0">
-                <a:hlinkClick r:id="rId4"/>
-              </a:rPr>
-              <a:t>deepai.org/machine-learning-glossary-and-terms/convolutional-neural-network</a:t>
-            </a:r>
-            <a:endParaRPr lang="en-MY" dirty="0" smtClean="0"/>
+              <a:t>https://deepai.org/machine-learning-glossary-and-terms/convolutional-neural-network</a:t>
+            </a:r>
+            <a:endParaRPr lang="en-MY" dirty="0"/>
           </a:p>
           <a:p>
             <a:endParaRPr lang="en-MY" dirty="0"/>
@@ -9771,13 +10089,8 @@
             <a:pPr lvl="1"/>
             <a:r>
               <a:rPr lang="en-MY" sz="3200" dirty="0"/>
-              <a:t>3.1.3 </a:t>
-            </a:r>
-            <a:r>
-              <a:rPr lang="en-MY" sz="3200" dirty="0" smtClean="0"/>
-              <a:t>Recurrent Neural Network</a:t>
-            </a:r>
-            <a:endParaRPr lang="en-MY" sz="3200" dirty="0"/>
+              <a:t>3.1.3 Recurrent Neural Network</a:t>
+            </a:r>
           </a:p>
         </p:txBody>
       </p:sp>
@@ -9805,30 +10118,18 @@
               <a:rPr lang="en-MY" dirty="0">
                 <a:hlinkClick r:id="rId2"/>
               </a:rPr>
-              <a:t>https://</a:t>
-            </a:r>
-            <a:r>
-              <a:rPr lang="en-MY" dirty="0" smtClean="0">
-                <a:hlinkClick r:id="rId2"/>
-              </a:rPr>
-              <a:t>www.ibm.com/cloud/learn/recurrent-neural-networks</a:t>
-            </a:r>
-            <a:endParaRPr lang="en-MY" dirty="0" smtClean="0"/>
+              <a:t>https://www.ibm.com/cloud/learn/recurrent-neural-networks</a:t>
+            </a:r>
+            <a:endParaRPr lang="en-MY" dirty="0"/>
           </a:p>
           <a:p>
             <a:r>
               <a:rPr lang="en-MY" dirty="0">
                 <a:hlinkClick r:id="rId3"/>
               </a:rPr>
-              <a:t>https://www.educba.com/recurrent-neural-networks-rnn</a:t>
-            </a:r>
-            <a:r>
-              <a:rPr lang="en-MY" dirty="0" smtClean="0">
-                <a:hlinkClick r:id="rId3"/>
-              </a:rPr>
-              <a:t>/</a:t>
-            </a:r>
-            <a:endParaRPr lang="en-MY" dirty="0" smtClean="0"/>
+              <a:t>https://www.educba.com/recurrent-neural-networks-rnn/</a:t>
+            </a:r>
+            <a:endParaRPr lang="en-MY" dirty="0"/>
           </a:p>
           <a:p>
             <a:endParaRPr lang="en-MY" dirty="0"/>
@@ -9935,10 +10236,9 @@
           <a:p>
             <a:pPr lvl="1"/>
             <a:r>
-              <a:rPr lang="en-MY" sz="3200" dirty="0" smtClean="0"/>
+              <a:rPr lang="en-MY" sz="3200" dirty="0"/>
               <a:t>3.1.2 Transformer (AlphaFold2)</a:t>
             </a:r>
-            <a:endParaRPr lang="en-MY" sz="3200" dirty="0"/>
           </a:p>
         </p:txBody>
       </p:sp>
@@ -10084,15 +10384,9 @@
               <a:rPr lang="en-MY" dirty="0">
                 <a:hlinkClick r:id="rId2"/>
               </a:rPr>
-              <a:t>https://www.asimovinstitute.org/neural-network-zoo</a:t>
-            </a:r>
-            <a:r>
-              <a:rPr lang="en-MY" dirty="0" smtClean="0">
-                <a:hlinkClick r:id="rId2"/>
-              </a:rPr>
-              <a:t>/</a:t>
-            </a:r>
-            <a:endParaRPr lang="en-MY" dirty="0" smtClean="0"/>
+              <a:t>https://www.asimovinstitute.org/neural-network-zoo/</a:t>
+            </a:r>
+            <a:endParaRPr lang="en-MY" dirty="0"/>
           </a:p>
           <a:p>
             <a:endParaRPr lang="en-MY" dirty="0"/>
@@ -10364,7 +10658,7 @@
               <a:t> </a:t>
             </a:r>
             <a:r>
-              <a:rPr lang="en-GB" sz="2200" dirty="0" smtClean="0"/>
+              <a:rPr lang="en-GB" sz="2200" dirty="0"/>
               <a:t>(Sometimes also used to refer to Data Structure)</a:t>
             </a:r>
             <a:endParaRPr sz="2700" dirty="0"/>
@@ -10406,7 +10700,7 @@
               <a:buNone/>
             </a:pPr>
             <a:r>
-              <a:rPr lang="en-MY" dirty="0" smtClean="0"/>
+              <a:rPr lang="en-MY" dirty="0"/>
               <a:t>For example, the storage structure of experiment data as an SE objects can also be called a type of “Data Model”</a:t>
             </a:r>
           </a:p>
@@ -10428,13 +10722,8 @@
             </a:pPr>
             <a:r>
               <a:rPr lang="en-MY" dirty="0"/>
-              <a:t>We are not talking about those </a:t>
-            </a:r>
-            <a:r>
-              <a:rPr lang="en-MY" dirty="0" smtClean="0"/>
-              <a:t>here, but rather, we will be talking about statistical models</a:t>
-            </a:r>
-            <a:endParaRPr lang="en-MY" dirty="0"/>
+              <a:t>We are not talking about those here, but rather, we will be talking about statistical models</a:t>
+            </a:r>
           </a:p>
           <a:p>
             <a:pPr marL="0" lvl="0" indent="0" algn="l" rtl="0">
@@ -10558,55 +10847,35 @@
               <a:buNone/>
             </a:pPr>
             <a:r>
-              <a:rPr lang="en-MY" sz="3200" b="1" u="sng" dirty="0" smtClean="0"/>
+              <a:rPr lang="en-MY" sz="3200" b="1" u="sng" dirty="0"/>
               <a:t>Data is more important than algorithm</a:t>
             </a:r>
           </a:p>
           <a:p>
-            <a:endParaRPr lang="en-US" dirty="0" smtClean="0"/>
-          </a:p>
-          <a:p>
-            <a:r>
-              <a:rPr lang="en-US" dirty="0" smtClean="0"/>
-              <a:t>To </a:t>
-            </a:r>
+            <a:endParaRPr lang="en-US" dirty="0"/>
+          </a:p>
+          <a:p>
             <a:r>
               <a:rPr lang="en-US" dirty="0"/>
-              <a:t>characterize numerical </a:t>
-            </a:r>
-            <a:r>
-              <a:rPr lang="en-US" dirty="0" smtClean="0"/>
-              <a:t>data</a:t>
-            </a:r>
-          </a:p>
-          <a:p>
-            <a:r>
-              <a:rPr lang="en-US" dirty="0" smtClean="0"/>
-              <a:t>To </a:t>
-            </a:r>
+              <a:t>To characterize numerical data</a:t>
+            </a:r>
+          </a:p>
+          <a:p>
             <a:r>
               <a:rPr lang="en-US" dirty="0"/>
-              <a:t>help estimate uncertainties in observational data and </a:t>
-            </a:r>
-            <a:r>
-              <a:rPr lang="en-US" dirty="0" smtClean="0"/>
-              <a:t>uncertainties </a:t>
-            </a:r>
-          </a:p>
-          <a:p>
-            <a:r>
-              <a:rPr lang="en-US" dirty="0" smtClean="0"/>
+              <a:t>To help estimate uncertainties in observational data and uncertainties </a:t>
+            </a:r>
+          </a:p>
+          <a:p>
+            <a:r>
+              <a:rPr lang="en-US" dirty="0"/>
               <a:t>To characterize numerical output from mathematical models to help understand the behavior </a:t>
             </a:r>
           </a:p>
           <a:p>
             <a:r>
-              <a:rPr lang="en-US" dirty="0" smtClean="0"/>
-              <a:t>To </a:t>
-            </a:r>
-            <a:r>
               <a:rPr lang="en-US" dirty="0"/>
-              <a:t>estimate probabilistic future behavior of a system based on past statistical information, a </a:t>
+              <a:t>To estimate probabilistic future behavior of a system based on past statistical information, a </a:t>
             </a:r>
             <a:r>
               <a:rPr lang="en-US" b="1" dirty="0"/>
@@ -10616,16 +10885,11 @@
               <a:rPr lang="en-US" dirty="0"/>
               <a:t>. </a:t>
             </a:r>
-            <a:endParaRPr lang="en-US" dirty="0" smtClean="0"/>
-          </a:p>
-          <a:p>
-            <a:r>
-              <a:rPr lang="en-US" dirty="0" smtClean="0"/>
-              <a:t>To </a:t>
-            </a:r>
+          </a:p>
+          <a:p>
             <a:r>
               <a:rPr lang="en-US" dirty="0"/>
-              <a:t>extrapolation or interpolation of data based on a linear fit (or some other mathematical fit) are also good examples of statistical prediction models.</a:t>
+              <a:t>To extrapolation or interpolation of data based on a linear fit (or some other mathematical fit) are also good examples of statistical prediction models.</a:t>
             </a:r>
           </a:p>
           <a:p>
@@ -10651,7 +10915,7 @@
               <a:buSzPts val="1800"/>
               <a:buNone/>
             </a:pPr>
-            <a:endParaRPr lang="en-MY" sz="3200" dirty="0" smtClean="0"/>
+            <a:endParaRPr lang="en-MY" sz="3200" dirty="0"/>
           </a:p>
           <a:p>
             <a:pPr>
@@ -10779,7 +11043,7 @@
             </a:pPr>
             <a:r>
               <a:rPr lang="en-GB" sz="3200" dirty="0"/>
-              <a:t>Classification model </a:t>
+              <a:t>Regression/Classification model </a:t>
             </a:r>
             <a:endParaRPr sz="3200" dirty="0"/>
           </a:p>
@@ -10813,11 +11077,7 @@
             </a:pPr>
             <a:r>
               <a:rPr lang="en-GB" sz="3200" dirty="0"/>
-              <a:t>Forecast </a:t>
-            </a:r>
-            <a:r>
-              <a:rPr lang="en-GB" sz="3200" dirty="0" smtClean="0"/>
-              <a:t>model</a:t>
+              <a:t>Forecast model</a:t>
             </a:r>
             <a:endParaRPr sz="3200" dirty="0"/>
           </a:p>
@@ -10878,12 +11138,8 @@
               <a:buAutoNum type="arabicPeriod"/>
             </a:pPr>
             <a:r>
-              <a:rPr lang="en-GB" sz="3200" dirty="0" smtClean="0"/>
-              <a:t>Regression/Classification </a:t>
-            </a:r>
-            <a:r>
               <a:rPr lang="en-GB" sz="3200" dirty="0"/>
-              <a:t>model </a:t>
+              <a:t>Regression/Classification model </a:t>
             </a:r>
           </a:p>
         </p:txBody>
@@ -10918,7 +11174,7 @@
               <a:buAutoNum type="arabicPeriod"/>
             </a:pPr>
             <a:r>
-              <a:rPr lang="en-US" sz="3200" dirty="0" smtClean="0"/>
+              <a:rPr lang="en-US" sz="3200" dirty="0"/>
               <a:t>Linear Regression (GLM)</a:t>
             </a:r>
           </a:p>
@@ -10928,7 +11184,7 @@
               <a:buAutoNum type="arabicPeriod"/>
             </a:pPr>
             <a:r>
-              <a:rPr lang="en-US" sz="3200" dirty="0" smtClean="0"/>
+              <a:rPr lang="en-US" sz="3200" dirty="0"/>
               <a:t>Logistic Regression</a:t>
             </a:r>
           </a:p>
@@ -10938,7 +11194,7 @@
               <a:buAutoNum type="arabicPeriod"/>
             </a:pPr>
             <a:r>
-              <a:rPr lang="en-US" sz="3200" dirty="0" smtClean="0"/>
+              <a:rPr lang="en-US" sz="3200" dirty="0"/>
               <a:t>K-Nearest Neighbors (KNN)</a:t>
             </a:r>
           </a:p>
@@ -10948,7 +11204,7 @@
               <a:buAutoNum type="arabicPeriod"/>
             </a:pPr>
             <a:r>
-              <a:rPr lang="en-US" sz="3200" dirty="0" smtClean="0"/>
+              <a:rPr lang="en-US" sz="3200" dirty="0"/>
               <a:t>Decision Tree</a:t>
             </a:r>
           </a:p>
@@ -10958,7 +11214,7 @@
               <a:buAutoNum type="arabicPeriod"/>
             </a:pPr>
             <a:r>
-              <a:rPr lang="en-US" sz="3200" dirty="0" smtClean="0"/>
+              <a:rPr lang="en-US" sz="3200" dirty="0"/>
               <a:t>Random Forest</a:t>
             </a:r>
           </a:p>
@@ -10968,7 +11224,7 @@
               <a:buAutoNum type="arabicPeriod"/>
             </a:pPr>
             <a:r>
-              <a:rPr lang="en-US" sz="3200" dirty="0" smtClean="0"/>
+              <a:rPr lang="en-US" sz="3200" dirty="0"/>
               <a:t>Support Vector Machine</a:t>
             </a:r>
           </a:p>
@@ -11029,7 +11285,7 @@
           <a:lstStyle/>
           <a:p>
             <a:r>
-              <a:rPr lang="en-US" sz="2800" dirty="0" smtClean="0"/>
+              <a:rPr lang="en-US" sz="2800" dirty="0"/>
               <a:t>1.1 Linear Regression</a:t>
             </a:r>
             <a:endParaRPr lang="en-MY" dirty="0"/>
@@ -11055,15 +11311,9 @@
               <a:rPr lang="en-MY" dirty="0">
                 <a:hlinkClick r:id="rId2"/>
               </a:rPr>
-              <a:t>https://online.stat.psu.edu/stat462/node/101</a:t>
-            </a:r>
-            <a:r>
-              <a:rPr lang="en-MY" dirty="0" smtClean="0">
-                <a:hlinkClick r:id="rId2"/>
-              </a:rPr>
-              <a:t>/</a:t>
-            </a:r>
-            <a:endParaRPr lang="en-MY" dirty="0" smtClean="0"/>
+              <a:t>https://online.stat.psu.edu/stat462/node/101/</a:t>
+            </a:r>
+            <a:endParaRPr lang="en-MY" dirty="0"/>
           </a:p>
           <a:p>
             <a:endParaRPr lang="en-MY" dirty="0"/>
@@ -11143,13 +11393,17 @@
         <p:spPr/>
         <p:txBody>
           <a:bodyPr>
-            <a:normAutofit fontScale="90000"/>
+            <a:normAutofit/>
           </a:bodyPr>
           <a:lstStyle/>
           <a:p>
             <a:r>
-              <a:rPr lang="en-US" sz="2800" dirty="0" smtClean="0"/>
-              <a:t>1.1.1 Generalized Linear Model (Ridge, Lasso, Elastic net)</a:t>
+              <a:rPr lang="en-MY" dirty="0"/>
+              <a:t>1.2 </a:t>
+            </a:r>
+            <a:r>
+              <a:rPr lang="en-US" sz="2800" dirty="0"/>
+              <a:t>Logistic Regression</a:t>
             </a:r>
             <a:endParaRPr lang="en-MY" dirty="0"/>
           </a:p>
@@ -11165,27 +11419,20 @@
             <p:ph type="body" idx="1"/>
           </p:nvPr>
         </p:nvSpPr>
-        <p:spPr/>
+        <p:spPr>
+          <a:xfrm>
+            <a:off x="387900" y="1489824"/>
+            <a:ext cx="4269160" cy="3583292"/>
+          </a:xfrm>
+        </p:spPr>
         <p:txBody>
           <a:bodyPr/>
           <a:lstStyle/>
           <a:p>
             <a:r>
-              <a:rPr lang="en-MY" dirty="0">
-                <a:hlinkClick r:id="rId2"/>
-              </a:rPr>
-              <a:t>http://psych.colorado.edu/~</a:t>
-            </a:r>
-            <a:r>
-              <a:rPr lang="en-MY" dirty="0" smtClean="0">
-                <a:hlinkClick r:id="rId2"/>
-              </a:rPr>
-              <a:t>carey/qmin/qminChapters/QMIN09-GLMIntro.pdf</a:t>
-            </a:r>
-            <a:endParaRPr lang="en-MY" dirty="0" smtClean="0"/>
-          </a:p>
-          <a:p>
-            <a:endParaRPr lang="en-MY" dirty="0"/>
+              <a:rPr lang="en-MY" dirty="0"/>
+              <a:t>https://www.guru99.com/r-generalized-linear-model.html</a:t>
+            </a:r>
           </a:p>
         </p:txBody>
       </p:sp>
@@ -11198,15 +11445,15 @@
           <p:nvPr/>
         </p:nvPicPr>
         <p:blipFill>
-          <a:blip r:embed="rId3"/>
+          <a:blip r:embed="rId2"/>
           <a:stretch>
             <a:fillRect/>
           </a:stretch>
         </p:blipFill>
         <p:spPr>
           <a:xfrm>
-            <a:off x="4898066" y="2002758"/>
-            <a:ext cx="4095716" cy="3057366"/>
+            <a:off x="4713767" y="1477315"/>
+            <a:ext cx="4430233" cy="3595801"/>
           </a:xfrm>
           <a:prstGeom prst="rect">
             <a:avLst/>
@@ -11216,7 +11463,7 @@
     </p:spTree>
     <p:extLst>
       <p:ext uri="{BB962C8B-B14F-4D97-AF65-F5344CB8AC3E}">
-        <p14:creationId xmlns:p14="http://schemas.microsoft.com/office/powerpoint/2010/main" val="2340795980"/>
+        <p14:creationId xmlns:p14="http://schemas.microsoft.com/office/powerpoint/2010/main" val="771621331"/>
       </p:ext>
     </p:extLst>
   </p:cSld>

--- a/Week7-Model-Basics-Building/Week 7-Model Basics and Building.pptx
+++ b/Week7-Model-Basics-Building/Week 7-Model Basics and Building.pptx
@@ -7749,7 +7749,12 @@
             <p:ph type="title"/>
           </p:nvPr>
         </p:nvSpPr>
-        <p:spPr/>
+        <p:spPr>
+          <a:xfrm>
+            <a:off x="387900" y="458024"/>
+            <a:ext cx="8368200" cy="865617"/>
+          </a:xfrm>
+        </p:spPr>
         <p:txBody>
           <a:bodyPr>
             <a:normAutofit fontScale="90000"/>
@@ -7758,7 +7763,7 @@
           <a:p>
             <a:r>
               <a:rPr lang="en-US" sz="2800" dirty="0"/>
-              <a:t>1.1.1 Generalized Linear Model (Ridge, Lasso, Elastic net)</a:t>
+              <a:t>1.2.1 Generalized Linear Model (Ridge, Lasso, Elastic net)</a:t>
             </a:r>
             <a:endParaRPr lang="en-MY" dirty="0"/>
           </a:p>

--- a/Week7-Model-Basics-Building/Week 7-Model Basics and Building.pptx
+++ b/Week7-Model-Basics-Building/Week 7-Model Basics and Building.pptx
@@ -5,7 +5,7 @@
     <p:sldMasterId id="2147483659" r:id="rId1"/>
   </p:sldMasterIdLst>
   <p:notesMasterIdLst>
-    <p:notesMasterId r:id="rId29"/>
+    <p:notesMasterId r:id="rId32"/>
   </p:notesMasterIdLst>
   <p:sldIdLst>
     <p:sldId id="256" r:id="rId2"/>
@@ -35,21 +35,24 @@
     <p:sldId id="283" r:id="rId26"/>
     <p:sldId id="285" r:id="rId27"/>
     <p:sldId id="284" r:id="rId28"/>
+    <p:sldId id="288" r:id="rId29"/>
+    <p:sldId id="289" r:id="rId30"/>
+    <p:sldId id="290" r:id="rId31"/>
   </p:sldIdLst>
   <p:sldSz cx="9144000" cy="5143500" type="screen16x9"/>
   <p:notesSz cx="6858000" cy="9144000"/>
   <p:embeddedFontLst>
     <p:embeddedFont>
       <p:font typeface="Roboto" panose="02000000000000000000" pitchFamily="2" charset="0"/>
-      <p:regular r:id="rId30"/>
-      <p:bold r:id="rId31"/>
-      <p:italic r:id="rId32"/>
-      <p:boldItalic r:id="rId33"/>
+      <p:regular r:id="rId33"/>
+      <p:bold r:id="rId34"/>
+      <p:italic r:id="rId35"/>
+      <p:boldItalic r:id="rId36"/>
     </p:embeddedFont>
     <p:embeddedFont>
       <p:font typeface="Roboto Slab" panose="020B0604020202020204" charset="0"/>
-      <p:regular r:id="rId34"/>
-      <p:bold r:id="rId35"/>
+      <p:regular r:id="rId37"/>
+      <p:bold r:id="rId38"/>
     </p:embeddedFont>
   </p:embeddedFontLst>
   <p:defaultTextStyle>
@@ -10458,6 +10461,298 @@
 </p:sld>
 </file>
 
+<file path=ppt/slides/slide28.xml><?xml version="1.0" encoding="utf-8"?>
+<p:sld xmlns:a="http://schemas.openxmlformats.org/drawingml/2006/main" xmlns:r="http://schemas.openxmlformats.org/officeDocument/2006/relationships" xmlns:p="http://schemas.openxmlformats.org/presentationml/2006/main">
+  <p:cSld>
+    <p:spTree>
+      <p:nvGrpSpPr>
+        <p:cNvPr id="1" name=""/>
+        <p:cNvGrpSpPr/>
+        <p:nvPr/>
+      </p:nvGrpSpPr>
+      <p:grpSpPr>
+        <a:xfrm>
+          <a:off x="0" y="0"/>
+          <a:ext cx="0" cy="0"/>
+          <a:chOff x="0" y="0"/>
+          <a:chExt cx="0" cy="0"/>
+        </a:xfrm>
+      </p:grpSpPr>
+      <p:sp>
+        <p:nvSpPr>
+          <p:cNvPr id="2" name="Title 1">
+            <a:extLst>
+              <a:ext uri="{FF2B5EF4-FFF2-40B4-BE49-F238E27FC236}">
+                <a16:creationId xmlns:a16="http://schemas.microsoft.com/office/drawing/2014/main" id="{CABD741A-1171-4C6E-8A3B-EE8A38F1388B}"/>
+              </a:ext>
+            </a:extLst>
+          </p:cNvPr>
+          <p:cNvSpPr>
+            <a:spLocks noGrp="1"/>
+          </p:cNvSpPr>
+          <p:nvPr>
+            <p:ph type="title"/>
+          </p:nvPr>
+        </p:nvSpPr>
+        <p:spPr/>
+        <p:txBody>
+          <a:bodyPr/>
+          <a:lstStyle/>
+          <a:p>
+            <a:r>
+              <a:rPr lang="en-MY" dirty="0"/>
+              <a:t>Finally to wrap it all up	</a:t>
+            </a:r>
+          </a:p>
+        </p:txBody>
+      </p:sp>
+      <p:sp>
+        <p:nvSpPr>
+          <p:cNvPr id="3" name="Text Placeholder 2">
+            <a:extLst>
+              <a:ext uri="{FF2B5EF4-FFF2-40B4-BE49-F238E27FC236}">
+                <a16:creationId xmlns:a16="http://schemas.microsoft.com/office/drawing/2014/main" id="{F4D06C72-3399-4DB8-8EEB-DEA985A71623}"/>
+              </a:ext>
+            </a:extLst>
+          </p:cNvPr>
+          <p:cNvSpPr>
+            <a:spLocks noGrp="1"/>
+          </p:cNvSpPr>
+          <p:nvPr>
+            <p:ph type="body" idx="1"/>
+          </p:nvPr>
+        </p:nvSpPr>
+        <p:spPr/>
+        <p:txBody>
+          <a:bodyPr>
+            <a:normAutofit/>
+          </a:bodyPr>
+          <a:lstStyle/>
+          <a:p>
+            <a:pPr marL="114300" indent="0">
+              <a:buNone/>
+            </a:pPr>
+            <a:r>
+              <a:rPr lang="en-US" sz="2400" dirty="0"/>
+              <a:t>1. How to properly install R, </a:t>
+            </a:r>
+            <a:r>
+              <a:rPr lang="en-US" sz="2400" dirty="0" err="1"/>
+              <a:t>Rstudio</a:t>
+            </a:r>
+            <a:r>
+              <a:rPr lang="en-US" sz="2400" dirty="0"/>
+              <a:t>, and libraries</a:t>
+            </a:r>
+          </a:p>
+          <a:p>
+            <a:pPr marL="114300" indent="0">
+              <a:buNone/>
+            </a:pPr>
+            <a:r>
+              <a:rPr lang="en-US" sz="2400" dirty="0"/>
+              <a:t>2. How to get packages from Bioconductor</a:t>
+            </a:r>
+          </a:p>
+          <a:p>
+            <a:pPr marL="114300" indent="0">
+              <a:buNone/>
+            </a:pPr>
+            <a:r>
+              <a:rPr lang="en-US" sz="2400" dirty="0"/>
+              <a:t>3. How to import data into the R environment</a:t>
+            </a:r>
+          </a:p>
+          <a:p>
+            <a:pPr marL="114300" indent="0">
+              <a:buNone/>
+            </a:pPr>
+            <a:r>
+              <a:rPr lang="en-US" sz="2400" dirty="0"/>
+              <a:t>4. What’s data type, what's data structure</a:t>
+            </a:r>
+          </a:p>
+          <a:p>
+            <a:pPr marL="114300" indent="0">
+              <a:buNone/>
+            </a:pPr>
+            <a:r>
+              <a:rPr lang="en-US" sz="2400" dirty="0"/>
+              <a:t>5. How to filter data (rows) using indices and </a:t>
+            </a:r>
+            <a:r>
+              <a:rPr lang="en-US" sz="2400" dirty="0" err="1"/>
+              <a:t>dplyr</a:t>
+            </a:r>
+            <a:endParaRPr lang="en-US" sz="2400" dirty="0"/>
+          </a:p>
+          <a:p>
+            <a:endParaRPr lang="en-MY" sz="2400" dirty="0"/>
+          </a:p>
+        </p:txBody>
+      </p:sp>
+    </p:spTree>
+    <p:extLst>
+      <p:ext uri="{BB962C8B-B14F-4D97-AF65-F5344CB8AC3E}">
+        <p14:creationId xmlns:p14="http://schemas.microsoft.com/office/powerpoint/2010/main" val="3255826487"/>
+      </p:ext>
+    </p:extLst>
+  </p:cSld>
+  <p:clrMapOvr>
+    <a:masterClrMapping/>
+  </p:clrMapOvr>
+</p:sld>
+</file>
+
+<file path=ppt/slides/slide29.xml><?xml version="1.0" encoding="utf-8"?>
+<p:sld xmlns:a="http://schemas.openxmlformats.org/drawingml/2006/main" xmlns:r="http://schemas.openxmlformats.org/officeDocument/2006/relationships" xmlns:p="http://schemas.openxmlformats.org/presentationml/2006/main">
+  <p:cSld>
+    <p:spTree>
+      <p:nvGrpSpPr>
+        <p:cNvPr id="1" name=""/>
+        <p:cNvGrpSpPr/>
+        <p:nvPr/>
+      </p:nvGrpSpPr>
+      <p:grpSpPr>
+        <a:xfrm>
+          <a:off x="0" y="0"/>
+          <a:ext cx="0" cy="0"/>
+          <a:chOff x="0" y="0"/>
+          <a:chExt cx="0" cy="0"/>
+        </a:xfrm>
+      </p:grpSpPr>
+      <p:sp>
+        <p:nvSpPr>
+          <p:cNvPr id="2" name="Title 1">
+            <a:extLst>
+              <a:ext uri="{FF2B5EF4-FFF2-40B4-BE49-F238E27FC236}">
+                <a16:creationId xmlns:a16="http://schemas.microsoft.com/office/drawing/2014/main" id="{E4931A7F-0009-47E1-948E-188FAE1897F6}"/>
+              </a:ext>
+            </a:extLst>
+          </p:cNvPr>
+          <p:cNvSpPr>
+            <a:spLocks noGrp="1"/>
+          </p:cNvSpPr>
+          <p:nvPr>
+            <p:ph type="title"/>
+          </p:nvPr>
+        </p:nvSpPr>
+        <p:spPr/>
+        <p:txBody>
+          <a:bodyPr/>
+          <a:lstStyle/>
+          <a:p>
+            <a:r>
+              <a:rPr lang="en-MY" dirty="0"/>
+              <a:t>Finally to wrap it all up	</a:t>
+            </a:r>
+          </a:p>
+        </p:txBody>
+      </p:sp>
+      <p:sp>
+        <p:nvSpPr>
+          <p:cNvPr id="3" name="Text Placeholder 2">
+            <a:extLst>
+              <a:ext uri="{FF2B5EF4-FFF2-40B4-BE49-F238E27FC236}">
+                <a16:creationId xmlns:a16="http://schemas.microsoft.com/office/drawing/2014/main" id="{CED6C178-5932-4C2B-A394-8F3E1236E4B2}"/>
+              </a:ext>
+            </a:extLst>
+          </p:cNvPr>
+          <p:cNvSpPr>
+            <a:spLocks noGrp="1"/>
+          </p:cNvSpPr>
+          <p:nvPr>
+            <p:ph type="body" idx="1"/>
+          </p:nvPr>
+        </p:nvSpPr>
+        <p:spPr/>
+        <p:txBody>
+          <a:bodyPr>
+            <a:normAutofit/>
+          </a:bodyPr>
+          <a:lstStyle/>
+          <a:p>
+            <a:pPr marL="114300" indent="0">
+              <a:buNone/>
+            </a:pPr>
+            <a:r>
+              <a:rPr lang="en-US" sz="2400" dirty="0"/>
+              <a:t>6. How to subset data (columns)  using indices and </a:t>
+            </a:r>
+            <a:r>
+              <a:rPr lang="en-US" sz="2400" dirty="0" err="1"/>
+              <a:t>dplyr</a:t>
+            </a:r>
+            <a:r>
+              <a:rPr lang="en-US" sz="2400" dirty="0"/>
+              <a:t> </a:t>
+            </a:r>
+          </a:p>
+          <a:p>
+            <a:pPr marL="114300" indent="0">
+              <a:buNone/>
+            </a:pPr>
+            <a:r>
+              <a:rPr lang="en-US" sz="2400" dirty="0"/>
+              <a:t>7. How to draw a plot in </a:t>
+            </a:r>
+            <a:r>
+              <a:rPr lang="en-US" sz="2400" dirty="0" err="1"/>
+              <a:t>baseR</a:t>
+            </a:r>
+            <a:r>
+              <a:rPr lang="en-US" sz="2400" dirty="0"/>
+              <a:t> and using gglot2? </a:t>
+            </a:r>
+          </a:p>
+          <a:p>
+            <a:pPr marL="114300" indent="0">
+              <a:buNone/>
+            </a:pPr>
+            <a:r>
+              <a:rPr lang="en-US" sz="2400" dirty="0"/>
+              <a:t>8. What plot to draw for what data？ </a:t>
+            </a:r>
+          </a:p>
+          <a:p>
+            <a:pPr marL="114300" indent="0">
+              <a:buNone/>
+            </a:pPr>
+            <a:r>
+              <a:rPr lang="en-US" sz="2400" dirty="0"/>
+              <a:t>9. When do you have too little data and when do you have too much data on a single plot</a:t>
+            </a:r>
+          </a:p>
+          <a:p>
+            <a:pPr marL="114300" indent="0">
+              <a:buNone/>
+            </a:pPr>
+            <a:r>
+              <a:rPr lang="en-US" sz="2400" dirty="0"/>
+              <a:t>10. When do you need to use loops? </a:t>
+            </a:r>
+          </a:p>
+          <a:p>
+            <a:pPr marL="114300" indent="0">
+              <a:buNone/>
+            </a:pPr>
+            <a:endParaRPr lang="en-MY" sz="2400" dirty="0"/>
+          </a:p>
+        </p:txBody>
+      </p:sp>
+    </p:spTree>
+    <p:extLst>
+      <p:ext uri="{BB962C8B-B14F-4D97-AF65-F5344CB8AC3E}">
+        <p14:creationId xmlns:p14="http://schemas.microsoft.com/office/powerpoint/2010/main" val="1283926562"/>
+      </p:ext>
+    </p:extLst>
+  </p:cSld>
+  <p:clrMapOvr>
+    <a:masterClrMapping/>
+  </p:clrMapOvr>
+</p:sld>
+</file>
+
 <file path=ppt/slides/slide3.xml><?xml version="1.0" encoding="utf-8"?>
 <p:sld xmlns:a="http://schemas.openxmlformats.org/drawingml/2006/main" xmlns:r="http://schemas.openxmlformats.org/officeDocument/2006/relationships" xmlns:p="http://schemas.openxmlformats.org/presentationml/2006/main">
   <p:cSld>
@@ -10596,6 +10891,130 @@
         </p:txBody>
       </p:sp>
     </p:spTree>
+  </p:cSld>
+  <p:clrMapOvr>
+    <a:masterClrMapping/>
+  </p:clrMapOvr>
+</p:sld>
+</file>
+
+<file path=ppt/slides/slide30.xml><?xml version="1.0" encoding="utf-8"?>
+<p:sld xmlns:a="http://schemas.openxmlformats.org/drawingml/2006/main" xmlns:r="http://schemas.openxmlformats.org/officeDocument/2006/relationships" xmlns:p="http://schemas.openxmlformats.org/presentationml/2006/main">
+  <p:cSld>
+    <p:spTree>
+      <p:nvGrpSpPr>
+        <p:cNvPr id="1" name=""/>
+        <p:cNvGrpSpPr/>
+        <p:nvPr/>
+      </p:nvGrpSpPr>
+      <p:grpSpPr>
+        <a:xfrm>
+          <a:off x="0" y="0"/>
+          <a:ext cx="0" cy="0"/>
+          <a:chOff x="0" y="0"/>
+          <a:chExt cx="0" cy="0"/>
+        </a:xfrm>
+      </p:grpSpPr>
+      <p:sp>
+        <p:nvSpPr>
+          <p:cNvPr id="2" name="Title 1">
+            <a:extLst>
+              <a:ext uri="{FF2B5EF4-FFF2-40B4-BE49-F238E27FC236}">
+                <a16:creationId xmlns:a16="http://schemas.microsoft.com/office/drawing/2014/main" id="{E4931A7F-0009-47E1-948E-188FAE1897F6}"/>
+              </a:ext>
+            </a:extLst>
+          </p:cNvPr>
+          <p:cNvSpPr>
+            <a:spLocks noGrp="1"/>
+          </p:cNvSpPr>
+          <p:nvPr>
+            <p:ph type="title"/>
+          </p:nvPr>
+        </p:nvSpPr>
+        <p:spPr/>
+        <p:txBody>
+          <a:bodyPr>
+            <a:normAutofit/>
+          </a:bodyPr>
+          <a:lstStyle/>
+          <a:p>
+            <a:r>
+              <a:rPr lang="en-MY" dirty="0"/>
+              <a:t>Finally to wrap it all up	</a:t>
+            </a:r>
+          </a:p>
+        </p:txBody>
+      </p:sp>
+      <p:sp>
+        <p:nvSpPr>
+          <p:cNvPr id="3" name="Text Placeholder 2">
+            <a:extLst>
+              <a:ext uri="{FF2B5EF4-FFF2-40B4-BE49-F238E27FC236}">
+                <a16:creationId xmlns:a16="http://schemas.microsoft.com/office/drawing/2014/main" id="{CED6C178-5932-4C2B-A394-8F3E1236E4B2}"/>
+              </a:ext>
+            </a:extLst>
+          </p:cNvPr>
+          <p:cNvSpPr>
+            <a:spLocks noGrp="1"/>
+          </p:cNvSpPr>
+          <p:nvPr>
+            <p:ph type="body" idx="1"/>
+          </p:nvPr>
+        </p:nvSpPr>
+        <p:spPr/>
+        <p:txBody>
+          <a:bodyPr>
+            <a:noAutofit/>
+          </a:bodyPr>
+          <a:lstStyle/>
+          <a:p>
+            <a:pPr marL="114300" indent="0">
+              <a:buNone/>
+            </a:pPr>
+            <a:r>
+              <a:rPr lang="en-US" sz="2400" dirty="0"/>
+              <a:t>11. When do you need pipes? </a:t>
+            </a:r>
+          </a:p>
+          <a:p>
+            <a:pPr marL="114300" indent="0">
+              <a:buNone/>
+            </a:pPr>
+            <a:endParaRPr lang="en-US" sz="2400" dirty="0"/>
+          </a:p>
+          <a:p>
+            <a:pPr marL="114300" indent="0">
+              <a:buNone/>
+            </a:pPr>
+            <a:r>
+              <a:rPr lang="en-US" sz="2400" dirty="0"/>
+              <a:t>12. When someone give you a dataset, do you know how to get a visualization out? and what would be a correct graph to give?</a:t>
+            </a:r>
+          </a:p>
+          <a:p>
+            <a:pPr marL="114300" indent="0">
+              <a:buNone/>
+            </a:pPr>
+            <a:endParaRPr lang="en-US" sz="2400" dirty="0"/>
+          </a:p>
+          <a:p>
+            <a:pPr marL="114300" indent="0">
+              <a:buNone/>
+            </a:pPr>
+            <a:r>
+              <a:rPr lang="en-US" sz="2400" dirty="0"/>
+              <a:t>13. Which model or analysis summary you will use that can best explain the dataset? </a:t>
+            </a:r>
+            <a:endParaRPr lang="en-MY" sz="2400" dirty="0"/>
+          </a:p>
+        </p:txBody>
+      </p:sp>
+    </p:spTree>
+    <p:extLst>
+      <p:ext uri="{BB962C8B-B14F-4D97-AF65-F5344CB8AC3E}">
+        <p14:creationId xmlns:p14="http://schemas.microsoft.com/office/powerpoint/2010/main" val="265040560"/>
+      </p:ext>
+    </p:extLst>
   </p:cSld>
   <p:clrMapOvr>
     <a:masterClrMapping/>

--- a/Week7-Model-Basics-Building/Week 7-Model Basics and Building.pptx
+++ b/Week7-Model-Basics-Building/Week 7-Model Basics and Building.pptx
@@ -9331,7 +9331,7 @@
             </a:pPr>
             <a:r>
               <a:rPr lang="en-MY" dirty="0"/>
-              <a:t>Understanding the concepts of a data Model (as Model for understanding data and interpreting data, and not in structuring data for databases) </a:t>
+              <a:t>Understanding the concepts of a Data Model (as Model for understanding data and interpreting data, and not in structuring data for databases) </a:t>
             </a:r>
           </a:p>
           <a:p>
@@ -10534,15 +10534,7 @@
             </a:pPr>
             <a:r>
               <a:rPr lang="en-US" sz="2400" dirty="0"/>
-              <a:t>1. How to properly install R, </a:t>
-            </a:r>
-            <a:r>
-              <a:rPr lang="en-US" sz="2400" dirty="0" err="1"/>
-              <a:t>Rstudio</a:t>
-            </a:r>
-            <a:r>
-              <a:rPr lang="en-US" sz="2400" dirty="0"/>
-              <a:t>, and libraries</a:t>
+              <a:t>1. How to properly install R, RStudio, and libraries</a:t>
             </a:r>
           </a:p>
           <a:p>
